--- a/8. Etika dan Isu Sosial dalam Teknologi Informasi.pptx
+++ b/8. Etika dan Isu Sosial dalam Teknologi Informasi.pptx
@@ -8,9 +8,15 @@
     <p:sldId id="257" r:id="rId2"/>
     <p:sldId id="258" r:id="rId3"/>
     <p:sldId id="259" r:id="rId4"/>
-    <p:sldId id="260" r:id="rId5"/>
-    <p:sldId id="261" r:id="rId6"/>
-    <p:sldId id="262" r:id="rId7"/>
+    <p:sldId id="263" r:id="rId5"/>
+    <p:sldId id="264" r:id="rId6"/>
+    <p:sldId id="261" r:id="rId7"/>
+    <p:sldId id="266" r:id="rId8"/>
+    <p:sldId id="267" r:id="rId9"/>
+    <p:sldId id="268" r:id="rId10"/>
+    <p:sldId id="269" r:id="rId11"/>
+    <p:sldId id="262" r:id="rId12"/>
+    <p:sldId id="265" r:id="rId13"/>
   </p:sldIdLst>
   <p:sldSz cx="12192000" cy="6858000"/>
   <p:notesSz cx="6858000" cy="9144000"/>
@@ -109,6 +115,11 @@
       </a:defRPr>
     </a:lvl9pPr>
   </p:defaultTextStyle>
+  <p:extLst>
+    <p:ext uri="{EFAFB233-063F-42B5-8137-9DF3F51BA10A}">
+      <p15:sldGuideLst xmlns:p15="http://schemas.microsoft.com/office/powerpoint/2012/main"/>
+    </p:ext>
+  </p:extLst>
 </p:presentation>
 </file>
 
@@ -259,7 +270,7 @@
           <a:p>
             <a:fld id="{3B947BC6-A54A-7948-BAFF-20A9B26C1B33}" type="datetimeFigureOut">
               <a:rPr lang="en-US" smtClean="0"/>
-              <a:t>10/7/24</a:t>
+              <a:t>12/19/24</a:t>
             </a:fld>
             <a:endParaRPr lang="en-US"/>
           </a:p>
@@ -457,7 +468,7 @@
           <a:p>
             <a:fld id="{3B947BC6-A54A-7948-BAFF-20A9B26C1B33}" type="datetimeFigureOut">
               <a:rPr lang="en-US" smtClean="0"/>
-              <a:t>10/7/24</a:t>
+              <a:t>12/19/24</a:t>
             </a:fld>
             <a:endParaRPr lang="en-US"/>
           </a:p>
@@ -665,7 +676,7 @@
           <a:p>
             <a:fld id="{3B947BC6-A54A-7948-BAFF-20A9B26C1B33}" type="datetimeFigureOut">
               <a:rPr lang="en-US" smtClean="0"/>
-              <a:t>10/7/24</a:t>
+              <a:t>12/19/24</a:t>
             </a:fld>
             <a:endParaRPr lang="en-US"/>
           </a:p>
@@ -863,7 +874,7 @@
           <a:p>
             <a:fld id="{3B947BC6-A54A-7948-BAFF-20A9B26C1B33}" type="datetimeFigureOut">
               <a:rPr lang="en-US" smtClean="0"/>
-              <a:t>10/7/24</a:t>
+              <a:t>12/19/24</a:t>
             </a:fld>
             <a:endParaRPr lang="en-US"/>
           </a:p>
@@ -1138,7 +1149,7 @@
           <a:p>
             <a:fld id="{3B947BC6-A54A-7948-BAFF-20A9B26C1B33}" type="datetimeFigureOut">
               <a:rPr lang="en-US" smtClean="0"/>
-              <a:t>10/7/24</a:t>
+              <a:t>12/19/24</a:t>
             </a:fld>
             <a:endParaRPr lang="en-US"/>
           </a:p>
@@ -1403,7 +1414,7 @@
           <a:p>
             <a:fld id="{3B947BC6-A54A-7948-BAFF-20A9B26C1B33}" type="datetimeFigureOut">
               <a:rPr lang="en-US" smtClean="0"/>
-              <a:t>10/7/24</a:t>
+              <a:t>12/19/24</a:t>
             </a:fld>
             <a:endParaRPr lang="en-US"/>
           </a:p>
@@ -1815,7 +1826,7 @@
           <a:p>
             <a:fld id="{3B947BC6-A54A-7948-BAFF-20A9B26C1B33}" type="datetimeFigureOut">
               <a:rPr lang="en-US" smtClean="0"/>
-              <a:t>10/7/24</a:t>
+              <a:t>12/19/24</a:t>
             </a:fld>
             <a:endParaRPr lang="en-US"/>
           </a:p>
@@ -1956,7 +1967,7 @@
           <a:p>
             <a:fld id="{3B947BC6-A54A-7948-BAFF-20A9B26C1B33}" type="datetimeFigureOut">
               <a:rPr lang="en-US" smtClean="0"/>
-              <a:t>10/7/24</a:t>
+              <a:t>12/19/24</a:t>
             </a:fld>
             <a:endParaRPr lang="en-US"/>
           </a:p>
@@ -2069,7 +2080,7 @@
           <a:p>
             <a:fld id="{3B947BC6-A54A-7948-BAFF-20A9B26C1B33}" type="datetimeFigureOut">
               <a:rPr lang="en-US" smtClean="0"/>
-              <a:t>10/7/24</a:t>
+              <a:t>12/19/24</a:t>
             </a:fld>
             <a:endParaRPr lang="en-US"/>
           </a:p>
@@ -2380,7 +2391,7 @@
           <a:p>
             <a:fld id="{3B947BC6-A54A-7948-BAFF-20A9B26C1B33}" type="datetimeFigureOut">
               <a:rPr lang="en-US" smtClean="0"/>
-              <a:t>10/7/24</a:t>
+              <a:t>12/19/24</a:t>
             </a:fld>
             <a:endParaRPr lang="en-US"/>
           </a:p>
@@ -2668,7 +2679,7 @@
           <a:p>
             <a:fld id="{3B947BC6-A54A-7948-BAFF-20A9B26C1B33}" type="datetimeFigureOut">
               <a:rPr lang="en-US" smtClean="0"/>
-              <a:t>10/7/24</a:t>
+              <a:t>12/19/24</a:t>
             </a:fld>
             <a:endParaRPr lang="en-US"/>
           </a:p>
@@ -2909,7 +2920,7 @@
           <a:p>
             <a:fld id="{3B947BC6-A54A-7948-BAFF-20A9B26C1B33}" type="datetimeFigureOut">
               <a:rPr lang="en-US" smtClean="0"/>
-              <a:t>10/7/24</a:t>
+              <a:t>12/19/24</a:t>
             </a:fld>
             <a:endParaRPr lang="en-US"/>
           </a:p>
@@ -3345,32 +3356,17 @@
         <p:spPr/>
         <p:txBody>
           <a:bodyPr>
-            <a:normAutofit fontScale="90000"/>
+            <a:normAutofit/>
           </a:bodyPr>
           <a:lstStyle/>
           <a:p>
             <a:r>
-              <a:rPr lang="en-ID" dirty="0" err="1"/>
-              <a:t>Materi</a:t>
-            </a:r>
-            <a:r>
-              <a:rPr lang="en-ID" dirty="0"/>
-              <a:t> </a:t>
-            </a:r>
-            <a:r>
-              <a:rPr lang="en-ID" dirty="0" err="1"/>
-              <a:t>Pertemuan</a:t>
-            </a:r>
-            <a:r>
-              <a:rPr lang="en-ID" dirty="0"/>
-              <a:t> 8</a:t>
-            </a:r>
-            <a:br>
-              <a:rPr lang="en-ID" dirty="0"/>
-            </a:br>
-            <a:r>
-              <a:rPr lang="en-ID" dirty="0"/>
-              <a:t>Etika dan </a:t>
+              <a:rPr lang="en-ID"/>
+              <a:t>Etika </a:t>
+            </a:r>
+            <a:r>
+              <a:rPr lang="en-ID" dirty="0"/>
+              <a:t>dan </a:t>
             </a:r>
             <a:r>
               <a:rPr lang="en-ID" dirty="0" err="1"/>
@@ -3456,6 +3452,1454 @@
     <p:extLst>
       <p:ext uri="{BB962C8B-B14F-4D97-AF65-F5344CB8AC3E}">
         <p14:creationId xmlns:p14="http://schemas.microsoft.com/office/powerpoint/2010/main" val="2412186489"/>
+      </p:ext>
+    </p:extLst>
+  </p:cSld>
+  <p:clrMapOvr>
+    <a:masterClrMapping/>
+  </p:clrMapOvr>
+</p:sld>
+</file>
+
+<file path=ppt/slides/slide10.xml><?xml version="1.0" encoding="utf-8"?>
+<p:sld xmlns:a="http://schemas.openxmlformats.org/drawingml/2006/main" xmlns:r="http://schemas.openxmlformats.org/officeDocument/2006/relationships" xmlns:p="http://schemas.openxmlformats.org/presentationml/2006/main">
+  <p:cSld>
+    <p:spTree>
+      <p:nvGrpSpPr>
+        <p:cNvPr id="1" name=""/>
+        <p:cNvGrpSpPr/>
+        <p:nvPr/>
+      </p:nvGrpSpPr>
+      <p:grpSpPr>
+        <a:xfrm>
+          <a:off x="0" y="0"/>
+          <a:ext cx="0" cy="0"/>
+          <a:chOff x="0" y="0"/>
+          <a:chExt cx="0" cy="0"/>
+        </a:xfrm>
+      </p:grpSpPr>
+      <p:sp>
+        <p:nvSpPr>
+          <p:cNvPr id="2" name="Title 1">
+            <a:extLst>
+              <a:ext uri="{FF2B5EF4-FFF2-40B4-BE49-F238E27FC236}">
+                <a16:creationId xmlns:a16="http://schemas.microsoft.com/office/drawing/2014/main" id="{8DCD391C-E31D-8C80-A349-C845F9BB6AD7}"/>
+              </a:ext>
+            </a:extLst>
+          </p:cNvPr>
+          <p:cNvSpPr>
+            <a:spLocks noGrp="1"/>
+          </p:cNvSpPr>
+          <p:nvPr>
+            <p:ph type="title"/>
+          </p:nvPr>
+        </p:nvSpPr>
+        <p:spPr/>
+        <p:txBody>
+          <a:bodyPr/>
+          <a:lstStyle/>
+          <a:p>
+            <a:r>
+              <a:rPr lang="en-ID" dirty="0" err="1"/>
+              <a:t>Isu-isu</a:t>
+            </a:r>
+            <a:r>
+              <a:rPr lang="en-ID" dirty="0"/>
+              <a:t> </a:t>
+            </a:r>
+            <a:r>
+              <a:rPr lang="en-ID" dirty="0" err="1"/>
+              <a:t>Kontemporer</a:t>
+            </a:r>
+            <a:r>
+              <a:rPr lang="en-ID" dirty="0"/>
+              <a:t> yang </a:t>
+            </a:r>
+            <a:r>
+              <a:rPr lang="en-ID" dirty="0" err="1"/>
+              <a:t>Perlu</a:t>
+            </a:r>
+            <a:r>
+              <a:rPr lang="en-ID" dirty="0"/>
+              <a:t> </a:t>
+            </a:r>
+            <a:r>
+              <a:rPr lang="en-ID" dirty="0" err="1"/>
+              <a:t>Diperhatikan</a:t>
+            </a:r>
+            <a:endParaRPr lang="en-US" dirty="0"/>
+          </a:p>
+        </p:txBody>
+      </p:sp>
+      <p:sp>
+        <p:nvSpPr>
+          <p:cNvPr id="3" name="Content Placeholder 2">
+            <a:extLst>
+              <a:ext uri="{FF2B5EF4-FFF2-40B4-BE49-F238E27FC236}">
+                <a16:creationId xmlns:a16="http://schemas.microsoft.com/office/drawing/2014/main" id="{BA2F2CE5-81AD-F13C-2101-1A6984553579}"/>
+              </a:ext>
+            </a:extLst>
+          </p:cNvPr>
+          <p:cNvSpPr>
+            <a:spLocks noGrp="1"/>
+          </p:cNvSpPr>
+          <p:nvPr>
+            <p:ph idx="1"/>
+          </p:nvPr>
+        </p:nvSpPr>
+        <p:spPr/>
+        <p:txBody>
+          <a:bodyPr/>
+          <a:lstStyle/>
+          <a:p>
+            <a:pPr>
+              <a:buFont typeface="Arial" panose="020B0604020202020204" pitchFamily="34" charset="0"/>
+              <a:buChar char="•"/>
+            </a:pPr>
+            <a:r>
+              <a:rPr lang="en-ID" b="1" dirty="0"/>
+              <a:t>Etika AI:</a:t>
+            </a:r>
+            <a:r>
+              <a:rPr lang="en-ID" dirty="0"/>
+              <a:t> </a:t>
+            </a:r>
+            <a:r>
+              <a:rPr lang="en-ID" dirty="0" err="1"/>
+              <a:t>Pengembangan</a:t>
+            </a:r>
+            <a:r>
+              <a:rPr lang="en-ID" dirty="0"/>
+              <a:t> AI yang </a:t>
+            </a:r>
+            <a:r>
+              <a:rPr lang="en-ID" dirty="0" err="1"/>
+              <a:t>etis</a:t>
+            </a:r>
+            <a:r>
+              <a:rPr lang="en-ID" dirty="0"/>
+              <a:t> </a:t>
+            </a:r>
+            <a:r>
+              <a:rPr lang="en-ID" dirty="0" err="1"/>
+              <a:t>menjadi</a:t>
+            </a:r>
+            <a:r>
+              <a:rPr lang="en-ID" dirty="0"/>
+              <a:t> sangat </a:t>
+            </a:r>
+            <a:r>
+              <a:rPr lang="en-ID" dirty="0" err="1"/>
+              <a:t>penting</a:t>
+            </a:r>
+            <a:r>
+              <a:rPr lang="en-ID" dirty="0"/>
+              <a:t> </a:t>
+            </a:r>
+            <a:r>
+              <a:rPr lang="en-ID" dirty="0" err="1"/>
+              <a:t>untuk</a:t>
+            </a:r>
+            <a:r>
+              <a:rPr lang="en-ID" dirty="0"/>
+              <a:t> </a:t>
+            </a:r>
+            <a:r>
+              <a:rPr lang="en-ID" dirty="0" err="1"/>
+              <a:t>menghindari</a:t>
+            </a:r>
+            <a:r>
+              <a:rPr lang="en-ID" dirty="0"/>
+              <a:t> bias, </a:t>
+            </a:r>
+            <a:r>
+              <a:rPr lang="en-ID" dirty="0" err="1"/>
+              <a:t>diskriminasi</a:t>
+            </a:r>
+            <a:r>
+              <a:rPr lang="en-ID" dirty="0"/>
+              <a:t>, dan </a:t>
+            </a:r>
+            <a:r>
+              <a:rPr lang="en-ID" dirty="0" err="1"/>
+              <a:t>penyalahgunaan</a:t>
+            </a:r>
+            <a:r>
+              <a:rPr lang="en-ID" dirty="0"/>
+              <a:t> </a:t>
+            </a:r>
+            <a:r>
+              <a:rPr lang="en-ID" dirty="0" err="1"/>
+              <a:t>teknologi</a:t>
+            </a:r>
+            <a:r>
+              <a:rPr lang="en-ID" dirty="0"/>
+              <a:t>.</a:t>
+            </a:r>
+          </a:p>
+          <a:p>
+            <a:pPr>
+              <a:buFont typeface="Arial" panose="020B0604020202020204" pitchFamily="34" charset="0"/>
+              <a:buChar char="•"/>
+            </a:pPr>
+            <a:r>
+              <a:rPr lang="en-ID" b="1" dirty="0" err="1"/>
+              <a:t>Keamanan</a:t>
+            </a:r>
+            <a:r>
+              <a:rPr lang="en-ID" b="1" dirty="0"/>
+              <a:t> </a:t>
+            </a:r>
+            <a:r>
+              <a:rPr lang="en-ID" b="1" dirty="0" err="1"/>
+              <a:t>Siber</a:t>
+            </a:r>
+            <a:r>
+              <a:rPr lang="en-ID" b="1" dirty="0"/>
+              <a:t>:</a:t>
+            </a:r>
+            <a:r>
+              <a:rPr lang="en-ID" dirty="0"/>
+              <a:t> </a:t>
+            </a:r>
+            <a:r>
+              <a:rPr lang="en-ID" dirty="0" err="1"/>
+              <a:t>Serangan</a:t>
+            </a:r>
+            <a:r>
+              <a:rPr lang="en-ID" dirty="0"/>
+              <a:t> </a:t>
+            </a:r>
+            <a:r>
+              <a:rPr lang="en-ID" dirty="0" err="1"/>
+              <a:t>siber</a:t>
+            </a:r>
+            <a:r>
+              <a:rPr lang="en-ID" dirty="0"/>
+              <a:t> yang </a:t>
+            </a:r>
+            <a:r>
+              <a:rPr lang="en-ID" dirty="0" err="1"/>
+              <a:t>semakin</a:t>
+            </a:r>
+            <a:r>
+              <a:rPr lang="en-ID" dirty="0"/>
+              <a:t> </a:t>
+            </a:r>
+            <a:r>
+              <a:rPr lang="en-ID" dirty="0" err="1"/>
+              <a:t>canggih</a:t>
+            </a:r>
+            <a:r>
+              <a:rPr lang="en-ID" dirty="0"/>
+              <a:t> </a:t>
+            </a:r>
+            <a:r>
+              <a:rPr lang="en-ID" dirty="0" err="1"/>
+              <a:t>menjadi</a:t>
+            </a:r>
+            <a:r>
+              <a:rPr lang="en-ID" dirty="0"/>
+              <a:t> </a:t>
+            </a:r>
+            <a:r>
+              <a:rPr lang="en-ID" dirty="0" err="1"/>
+              <a:t>ancaman</a:t>
+            </a:r>
+            <a:r>
+              <a:rPr lang="en-ID" dirty="0"/>
+              <a:t> </a:t>
+            </a:r>
+            <a:r>
+              <a:rPr lang="en-ID" dirty="0" err="1"/>
+              <a:t>serius</a:t>
+            </a:r>
+            <a:r>
+              <a:rPr lang="en-ID" dirty="0"/>
+              <a:t> </a:t>
+            </a:r>
+            <a:r>
+              <a:rPr lang="en-ID" dirty="0" err="1"/>
+              <a:t>bagi</a:t>
+            </a:r>
+            <a:r>
+              <a:rPr lang="en-ID" dirty="0"/>
+              <a:t> </a:t>
+            </a:r>
+            <a:r>
+              <a:rPr lang="en-ID" dirty="0" err="1"/>
+              <a:t>individu</a:t>
+            </a:r>
+            <a:r>
+              <a:rPr lang="en-ID" dirty="0"/>
+              <a:t>, </a:t>
+            </a:r>
+            <a:r>
+              <a:rPr lang="en-ID" dirty="0" err="1"/>
+              <a:t>organisasi</a:t>
+            </a:r>
+            <a:r>
+              <a:rPr lang="en-ID" dirty="0"/>
+              <a:t>, dan negara.</a:t>
+            </a:r>
+          </a:p>
+          <a:p>
+            <a:pPr>
+              <a:buFont typeface="Arial" panose="020B0604020202020204" pitchFamily="34" charset="0"/>
+              <a:buChar char="•"/>
+            </a:pPr>
+            <a:r>
+              <a:rPr lang="en-ID" b="1" dirty="0" err="1"/>
+              <a:t>Regulasi</a:t>
+            </a:r>
+            <a:r>
+              <a:rPr lang="en-ID" b="1" dirty="0"/>
+              <a:t> </a:t>
+            </a:r>
+            <a:r>
+              <a:rPr lang="en-ID" b="1" dirty="0" err="1"/>
+              <a:t>Teknologi</a:t>
+            </a:r>
+            <a:r>
+              <a:rPr lang="en-ID" b="1" dirty="0"/>
+              <a:t>:</a:t>
+            </a:r>
+            <a:r>
+              <a:rPr lang="en-ID" dirty="0"/>
+              <a:t> </a:t>
+            </a:r>
+            <a:r>
+              <a:rPr lang="en-ID" dirty="0" err="1"/>
+              <a:t>Perlunya</a:t>
+            </a:r>
+            <a:r>
+              <a:rPr lang="en-ID" dirty="0"/>
+              <a:t> </a:t>
+            </a:r>
+            <a:r>
+              <a:rPr lang="en-ID" dirty="0" err="1"/>
+              <a:t>regulasi</a:t>
+            </a:r>
+            <a:r>
+              <a:rPr lang="en-ID" dirty="0"/>
+              <a:t> yang </a:t>
+            </a:r>
+            <a:r>
+              <a:rPr lang="en-ID" dirty="0" err="1"/>
+              <a:t>efektif</a:t>
+            </a:r>
+            <a:r>
+              <a:rPr lang="en-ID" dirty="0"/>
+              <a:t> </a:t>
+            </a:r>
+            <a:r>
+              <a:rPr lang="en-ID" dirty="0" err="1"/>
+              <a:t>untuk</a:t>
+            </a:r>
+            <a:r>
+              <a:rPr lang="en-ID" dirty="0"/>
+              <a:t> </a:t>
+            </a:r>
+            <a:r>
+              <a:rPr lang="en-ID" dirty="0" err="1"/>
+              <a:t>mengatasi</a:t>
+            </a:r>
+            <a:r>
+              <a:rPr lang="en-ID" dirty="0"/>
+              <a:t> </a:t>
+            </a:r>
+            <a:r>
+              <a:rPr lang="en-ID" dirty="0" err="1"/>
+              <a:t>tantangan</a:t>
+            </a:r>
+            <a:r>
+              <a:rPr lang="en-ID" dirty="0"/>
+              <a:t> yang </a:t>
+            </a:r>
+            <a:r>
+              <a:rPr lang="en-ID" dirty="0" err="1"/>
+              <a:t>muncul</a:t>
+            </a:r>
+            <a:r>
+              <a:rPr lang="en-ID" dirty="0"/>
+              <a:t> </a:t>
+            </a:r>
+            <a:r>
+              <a:rPr lang="en-ID" dirty="0" err="1"/>
+              <a:t>akibat</a:t>
+            </a:r>
+            <a:r>
+              <a:rPr lang="en-ID" dirty="0"/>
+              <a:t> </a:t>
+            </a:r>
+            <a:r>
+              <a:rPr lang="en-ID" dirty="0" err="1"/>
+              <a:t>perkembangan</a:t>
+            </a:r>
+            <a:r>
+              <a:rPr lang="en-ID" dirty="0"/>
+              <a:t> </a:t>
+            </a:r>
+            <a:r>
+              <a:rPr lang="en-ID" dirty="0" err="1"/>
+              <a:t>teknologi</a:t>
+            </a:r>
+            <a:r>
+              <a:rPr lang="en-ID" dirty="0"/>
+              <a:t>.</a:t>
+            </a:r>
+          </a:p>
+        </p:txBody>
+      </p:sp>
+    </p:spTree>
+    <p:extLst>
+      <p:ext uri="{BB962C8B-B14F-4D97-AF65-F5344CB8AC3E}">
+        <p14:creationId xmlns:p14="http://schemas.microsoft.com/office/powerpoint/2010/main" val="1126358429"/>
+      </p:ext>
+    </p:extLst>
+  </p:cSld>
+  <p:clrMapOvr>
+    <a:masterClrMapping/>
+  </p:clrMapOvr>
+</p:sld>
+</file>
+
+<file path=ppt/slides/slide11.xml><?xml version="1.0" encoding="utf-8"?>
+<p:sld xmlns:a="http://schemas.openxmlformats.org/drawingml/2006/main" xmlns:r="http://schemas.openxmlformats.org/officeDocument/2006/relationships" xmlns:p="http://schemas.openxmlformats.org/presentationml/2006/main">
+  <p:cSld>
+    <p:spTree>
+      <p:nvGrpSpPr>
+        <p:cNvPr id="1" name=""/>
+        <p:cNvGrpSpPr/>
+        <p:nvPr/>
+      </p:nvGrpSpPr>
+      <p:grpSpPr>
+        <a:xfrm>
+          <a:off x="0" y="0"/>
+          <a:ext cx="0" cy="0"/>
+          <a:chOff x="0" y="0"/>
+          <a:chExt cx="0" cy="0"/>
+        </a:xfrm>
+      </p:grpSpPr>
+      <p:sp>
+        <p:nvSpPr>
+          <p:cNvPr id="2" name="Title 1">
+            <a:extLst>
+              <a:ext uri="{FF2B5EF4-FFF2-40B4-BE49-F238E27FC236}">
+                <a16:creationId xmlns:a16="http://schemas.microsoft.com/office/drawing/2014/main" id="{21A82D60-C7FB-5564-1A37-CAA5225B30F0}"/>
+              </a:ext>
+            </a:extLst>
+          </p:cNvPr>
+          <p:cNvSpPr>
+            <a:spLocks noGrp="1"/>
+          </p:cNvSpPr>
+          <p:nvPr>
+            <p:ph type="title"/>
+          </p:nvPr>
+        </p:nvSpPr>
+        <p:spPr/>
+        <p:txBody>
+          <a:bodyPr/>
+          <a:lstStyle/>
+          <a:p>
+            <a:r>
+              <a:rPr lang="en-ID" dirty="0" err="1"/>
+              <a:t>Teknologi</a:t>
+            </a:r>
+            <a:r>
+              <a:rPr lang="en-ID" dirty="0"/>
+              <a:t> </a:t>
+            </a:r>
+            <a:r>
+              <a:rPr lang="en-ID" dirty="0" err="1"/>
+              <a:t>Informasi</a:t>
+            </a:r>
+            <a:r>
+              <a:rPr lang="en-ID" dirty="0"/>
+              <a:t> dan </a:t>
+            </a:r>
+            <a:r>
+              <a:rPr lang="en-ID" dirty="0" err="1"/>
+              <a:t>Privasi</a:t>
+            </a:r>
+            <a:r>
+              <a:rPr lang="en-ID" dirty="0"/>
+              <a:t> </a:t>
+            </a:r>
+            <a:r>
+              <a:rPr lang="en-ID" dirty="0" err="1"/>
+              <a:t>Pengguna</a:t>
+            </a:r>
+            <a:endParaRPr lang="en-US" dirty="0"/>
+          </a:p>
+        </p:txBody>
+      </p:sp>
+      <p:sp>
+        <p:nvSpPr>
+          <p:cNvPr id="3" name="Content Placeholder 2">
+            <a:extLst>
+              <a:ext uri="{FF2B5EF4-FFF2-40B4-BE49-F238E27FC236}">
+                <a16:creationId xmlns:a16="http://schemas.microsoft.com/office/drawing/2014/main" id="{2D6229E8-03B0-8238-A79A-014E5A666226}"/>
+              </a:ext>
+            </a:extLst>
+          </p:cNvPr>
+          <p:cNvSpPr>
+            <a:spLocks noGrp="1"/>
+          </p:cNvSpPr>
+          <p:nvPr>
+            <p:ph idx="1"/>
+          </p:nvPr>
+        </p:nvSpPr>
+        <p:spPr/>
+        <p:txBody>
+          <a:bodyPr>
+            <a:normAutofit fontScale="77500" lnSpcReduction="20000"/>
+          </a:bodyPr>
+          <a:lstStyle/>
+          <a:p>
+            <a:pPr marL="0" indent="0">
+              <a:buNone/>
+            </a:pPr>
+            <a:r>
+              <a:rPr lang="en-ID" b="1" dirty="0" err="1"/>
+              <a:t>Definisi</a:t>
+            </a:r>
+            <a:r>
+              <a:rPr lang="en-ID" b="1" dirty="0"/>
+              <a:t> </a:t>
+            </a:r>
+            <a:r>
+              <a:rPr lang="en-ID" b="1" dirty="0" err="1"/>
+              <a:t>Privasi</a:t>
+            </a:r>
+            <a:r>
+              <a:rPr lang="en-ID" dirty="0"/>
+              <a:t>:</a:t>
+            </a:r>
+          </a:p>
+          <a:p>
+            <a:pPr lvl="1"/>
+            <a:r>
+              <a:rPr lang="en-ID" dirty="0"/>
+              <a:t>Hak </a:t>
+            </a:r>
+            <a:r>
+              <a:rPr lang="en-ID" dirty="0" err="1"/>
+              <a:t>individu</a:t>
+            </a:r>
+            <a:r>
+              <a:rPr lang="en-ID" dirty="0"/>
+              <a:t> </a:t>
+            </a:r>
+            <a:r>
+              <a:rPr lang="en-ID" dirty="0" err="1"/>
+              <a:t>untuk</a:t>
+            </a:r>
+            <a:r>
+              <a:rPr lang="en-ID" dirty="0"/>
+              <a:t> </a:t>
+            </a:r>
+            <a:r>
+              <a:rPr lang="en-ID" dirty="0" err="1"/>
+              <a:t>mengendalikan</a:t>
+            </a:r>
+            <a:r>
+              <a:rPr lang="en-ID" dirty="0"/>
+              <a:t> </a:t>
+            </a:r>
+            <a:r>
+              <a:rPr lang="en-ID" dirty="0" err="1"/>
+              <a:t>informasi</a:t>
+            </a:r>
+            <a:r>
+              <a:rPr lang="en-ID" dirty="0"/>
+              <a:t> </a:t>
+            </a:r>
+            <a:r>
+              <a:rPr lang="en-ID" dirty="0" err="1"/>
+              <a:t>pribadi</a:t>
+            </a:r>
+            <a:r>
+              <a:rPr lang="en-ID" dirty="0"/>
+              <a:t> </a:t>
+            </a:r>
+            <a:r>
+              <a:rPr lang="en-ID" dirty="0" err="1"/>
+              <a:t>mereka</a:t>
+            </a:r>
+            <a:r>
+              <a:rPr lang="en-ID" dirty="0"/>
+              <a:t> dan </a:t>
+            </a:r>
+            <a:r>
+              <a:rPr lang="en-ID" dirty="0" err="1"/>
+              <a:t>bagaimana</a:t>
+            </a:r>
+            <a:r>
+              <a:rPr lang="en-ID" dirty="0"/>
+              <a:t> </a:t>
+            </a:r>
+            <a:r>
+              <a:rPr lang="en-ID" dirty="0" err="1"/>
+              <a:t>informasi</a:t>
+            </a:r>
+            <a:r>
+              <a:rPr lang="en-ID" dirty="0"/>
+              <a:t> </a:t>
+            </a:r>
+            <a:r>
+              <a:rPr lang="en-ID" dirty="0" err="1"/>
+              <a:t>tersebut</a:t>
+            </a:r>
+            <a:r>
+              <a:rPr lang="en-ID" dirty="0"/>
+              <a:t> </a:t>
+            </a:r>
+            <a:r>
+              <a:rPr lang="en-ID" dirty="0" err="1"/>
+              <a:t>digunakan</a:t>
+            </a:r>
+            <a:r>
+              <a:rPr lang="en-ID" dirty="0"/>
+              <a:t> oleh </a:t>
+            </a:r>
+            <a:r>
+              <a:rPr lang="en-ID" dirty="0" err="1"/>
+              <a:t>pihak</a:t>
+            </a:r>
+            <a:r>
+              <a:rPr lang="en-ID" dirty="0"/>
+              <a:t> </a:t>
+            </a:r>
+            <a:r>
+              <a:rPr lang="en-ID" dirty="0" err="1"/>
+              <a:t>ketiga</a:t>
+            </a:r>
+            <a:r>
+              <a:rPr lang="en-ID" dirty="0"/>
+              <a:t>.</a:t>
+            </a:r>
+            <a:endParaRPr lang="en-ID" b="1" dirty="0"/>
+          </a:p>
+          <a:p>
+            <a:pPr marL="0" indent="0">
+              <a:buNone/>
+            </a:pPr>
+            <a:r>
+              <a:rPr lang="en-ID" b="1" dirty="0" err="1"/>
+              <a:t>Isu</a:t>
+            </a:r>
+            <a:r>
+              <a:rPr lang="en-ID" b="1" dirty="0"/>
+              <a:t> </a:t>
+            </a:r>
+            <a:r>
+              <a:rPr lang="en-ID" b="1" dirty="0" err="1"/>
+              <a:t>Privasi</a:t>
+            </a:r>
+            <a:r>
+              <a:rPr lang="en-ID" b="1" dirty="0"/>
+              <a:t> </a:t>
+            </a:r>
+            <a:r>
+              <a:rPr lang="en-ID" b="1" dirty="0" err="1"/>
+              <a:t>dalam</a:t>
+            </a:r>
+            <a:r>
+              <a:rPr lang="en-ID" b="1" dirty="0"/>
+              <a:t> TI</a:t>
+            </a:r>
+            <a:r>
+              <a:rPr lang="en-ID" dirty="0"/>
+              <a:t>:</a:t>
+            </a:r>
+          </a:p>
+          <a:p>
+            <a:pPr lvl="1"/>
+            <a:r>
+              <a:rPr lang="en-ID" b="1" dirty="0" err="1"/>
+              <a:t>Pengumpulan</a:t>
+            </a:r>
+            <a:r>
+              <a:rPr lang="en-ID" b="1" dirty="0"/>
+              <a:t> Data</a:t>
+            </a:r>
+            <a:r>
+              <a:rPr lang="en-ID" dirty="0"/>
+              <a:t>: Banyak </a:t>
+            </a:r>
+            <a:r>
+              <a:rPr lang="en-ID" dirty="0" err="1"/>
+              <a:t>aplikasi</a:t>
+            </a:r>
+            <a:r>
+              <a:rPr lang="en-ID" dirty="0"/>
+              <a:t> dan </a:t>
+            </a:r>
+            <a:r>
+              <a:rPr lang="en-ID" dirty="0" err="1"/>
+              <a:t>layanan</a:t>
+            </a:r>
+            <a:r>
+              <a:rPr lang="en-ID" dirty="0"/>
+              <a:t> </a:t>
+            </a:r>
+            <a:r>
+              <a:rPr lang="en-ID" dirty="0" err="1"/>
+              <a:t>mengumpulkan</a:t>
+            </a:r>
+            <a:r>
+              <a:rPr lang="en-ID" dirty="0"/>
+              <a:t> data </a:t>
+            </a:r>
+            <a:r>
+              <a:rPr lang="en-ID" dirty="0" err="1"/>
+              <a:t>pengguna</a:t>
+            </a:r>
+            <a:r>
+              <a:rPr lang="en-ID" dirty="0"/>
+              <a:t>, </a:t>
+            </a:r>
+            <a:r>
+              <a:rPr lang="en-ID" dirty="0" err="1"/>
+              <a:t>seringkali</a:t>
+            </a:r>
+            <a:r>
+              <a:rPr lang="en-ID" dirty="0"/>
+              <a:t> </a:t>
+            </a:r>
+            <a:r>
+              <a:rPr lang="en-ID" dirty="0" err="1"/>
+              <a:t>tanpa</a:t>
+            </a:r>
+            <a:r>
+              <a:rPr lang="en-ID" dirty="0"/>
+              <a:t> </a:t>
+            </a:r>
+            <a:r>
+              <a:rPr lang="en-ID" dirty="0" err="1"/>
+              <a:t>pemahaman</a:t>
+            </a:r>
+            <a:r>
+              <a:rPr lang="en-ID" dirty="0"/>
+              <a:t> yang </a:t>
+            </a:r>
+            <a:r>
+              <a:rPr lang="en-ID" dirty="0" err="1"/>
+              <a:t>jelas</a:t>
+            </a:r>
+            <a:r>
+              <a:rPr lang="en-ID" dirty="0"/>
+              <a:t> </a:t>
+            </a:r>
+            <a:r>
+              <a:rPr lang="en-ID" dirty="0" err="1"/>
+              <a:t>tentang</a:t>
+            </a:r>
+            <a:r>
+              <a:rPr lang="en-ID" dirty="0"/>
+              <a:t> </a:t>
+            </a:r>
+            <a:r>
+              <a:rPr lang="en-ID" dirty="0" err="1"/>
+              <a:t>bagaimana</a:t>
+            </a:r>
+            <a:r>
+              <a:rPr lang="en-ID" dirty="0"/>
+              <a:t> data </a:t>
+            </a:r>
+            <a:r>
+              <a:rPr lang="en-ID" dirty="0" err="1"/>
+              <a:t>tersebut</a:t>
+            </a:r>
+            <a:r>
+              <a:rPr lang="en-ID" dirty="0"/>
+              <a:t> </a:t>
+            </a:r>
+            <a:r>
+              <a:rPr lang="en-ID" dirty="0" err="1"/>
+              <a:t>akan</a:t>
+            </a:r>
+            <a:r>
+              <a:rPr lang="en-ID" dirty="0"/>
+              <a:t> </a:t>
+            </a:r>
+            <a:r>
+              <a:rPr lang="en-ID" dirty="0" err="1"/>
+              <a:t>digunakan</a:t>
+            </a:r>
+            <a:r>
+              <a:rPr lang="en-ID" dirty="0"/>
+              <a:t>.</a:t>
+            </a:r>
+          </a:p>
+          <a:p>
+            <a:pPr lvl="1"/>
+            <a:r>
+              <a:rPr lang="en-ID" b="1" dirty="0" err="1"/>
+              <a:t>Keamanan</a:t>
+            </a:r>
+            <a:r>
+              <a:rPr lang="en-ID" b="1" dirty="0"/>
+              <a:t> Data</a:t>
+            </a:r>
+            <a:r>
+              <a:rPr lang="en-ID" dirty="0"/>
+              <a:t>: </a:t>
+            </a:r>
+            <a:r>
+              <a:rPr lang="en-ID" dirty="0" err="1"/>
+              <a:t>Risiko</a:t>
+            </a:r>
+            <a:r>
+              <a:rPr lang="en-ID" dirty="0"/>
+              <a:t> </a:t>
+            </a:r>
+            <a:r>
+              <a:rPr lang="en-ID" dirty="0" err="1"/>
+              <a:t>kebocoran</a:t>
+            </a:r>
+            <a:r>
+              <a:rPr lang="en-ID" dirty="0"/>
+              <a:t> data dan </a:t>
+            </a:r>
+            <a:r>
+              <a:rPr lang="en-ID" dirty="0" err="1"/>
+              <a:t>serangan</a:t>
+            </a:r>
+            <a:r>
+              <a:rPr lang="en-ID" dirty="0"/>
+              <a:t> </a:t>
+            </a:r>
+            <a:r>
+              <a:rPr lang="en-ID" dirty="0" err="1"/>
+              <a:t>siber</a:t>
+            </a:r>
+            <a:r>
+              <a:rPr lang="en-ID" dirty="0"/>
+              <a:t> yang </a:t>
+            </a:r>
+            <a:r>
+              <a:rPr lang="en-ID" dirty="0" err="1"/>
+              <a:t>dapat</a:t>
+            </a:r>
+            <a:r>
+              <a:rPr lang="en-ID" dirty="0"/>
+              <a:t> </a:t>
+            </a:r>
+            <a:r>
+              <a:rPr lang="en-ID" dirty="0" err="1"/>
+              <a:t>mengancam</a:t>
+            </a:r>
+            <a:r>
+              <a:rPr lang="en-ID" dirty="0"/>
+              <a:t> </a:t>
+            </a:r>
+            <a:r>
+              <a:rPr lang="en-ID" dirty="0" err="1"/>
+              <a:t>privasi</a:t>
+            </a:r>
+            <a:r>
+              <a:rPr lang="en-ID" dirty="0"/>
+              <a:t> </a:t>
+            </a:r>
+            <a:r>
+              <a:rPr lang="en-ID" dirty="0" err="1"/>
+              <a:t>pengguna</a:t>
+            </a:r>
+            <a:r>
+              <a:rPr lang="en-ID" dirty="0"/>
+              <a:t>.</a:t>
+            </a:r>
+          </a:p>
+          <a:p>
+            <a:pPr marL="0" indent="0">
+              <a:buNone/>
+            </a:pPr>
+            <a:r>
+              <a:rPr lang="en-ID" b="1" dirty="0" err="1"/>
+              <a:t>Peraturan</a:t>
+            </a:r>
+            <a:r>
+              <a:rPr lang="en-ID" b="1" dirty="0"/>
+              <a:t> </a:t>
+            </a:r>
+            <a:r>
+              <a:rPr lang="en-ID" b="1" dirty="0" err="1"/>
+              <a:t>Perlindungan</a:t>
+            </a:r>
+            <a:r>
+              <a:rPr lang="en-ID" b="1" dirty="0"/>
+              <a:t> Data</a:t>
+            </a:r>
+            <a:r>
+              <a:rPr lang="en-ID" dirty="0"/>
+              <a:t>:</a:t>
+            </a:r>
+            <a:br>
+              <a:rPr lang="en-ID" dirty="0"/>
+            </a:br>
+            <a:r>
+              <a:rPr lang="en-ID" dirty="0" err="1"/>
+              <a:t>Diskusikan</a:t>
+            </a:r>
+            <a:r>
+              <a:rPr lang="en-ID" dirty="0"/>
+              <a:t> </a:t>
+            </a:r>
+            <a:r>
+              <a:rPr lang="en-ID" dirty="0" err="1"/>
+              <a:t>peraturan</a:t>
+            </a:r>
+            <a:r>
+              <a:rPr lang="en-ID" dirty="0"/>
+              <a:t> </a:t>
+            </a:r>
+            <a:r>
+              <a:rPr lang="en-ID" dirty="0" err="1"/>
+              <a:t>seperti</a:t>
+            </a:r>
+            <a:r>
+              <a:rPr lang="en-ID" dirty="0"/>
+              <a:t> GDPR (General Data Protection Regulation) dan </a:t>
+            </a:r>
+            <a:r>
+              <a:rPr lang="en-ID" dirty="0" err="1"/>
+              <a:t>undang-undang</a:t>
+            </a:r>
+            <a:r>
+              <a:rPr lang="en-ID" dirty="0"/>
+              <a:t> </a:t>
+            </a:r>
+            <a:r>
+              <a:rPr lang="en-ID" dirty="0" err="1"/>
+              <a:t>perlindungan</a:t>
+            </a:r>
+            <a:r>
+              <a:rPr lang="en-ID" dirty="0"/>
+              <a:t> data </a:t>
+            </a:r>
+            <a:r>
+              <a:rPr lang="en-ID" dirty="0" err="1"/>
+              <a:t>lainnya</a:t>
+            </a:r>
+            <a:r>
+              <a:rPr lang="en-ID" dirty="0"/>
+              <a:t> yang </a:t>
+            </a:r>
+            <a:r>
+              <a:rPr lang="en-ID" dirty="0" err="1"/>
+              <a:t>bertujuan</a:t>
+            </a:r>
+            <a:r>
+              <a:rPr lang="en-ID" dirty="0"/>
+              <a:t> </a:t>
+            </a:r>
+            <a:r>
+              <a:rPr lang="en-ID" dirty="0" err="1"/>
+              <a:t>untuk</a:t>
+            </a:r>
+            <a:r>
+              <a:rPr lang="en-ID" dirty="0"/>
+              <a:t> </a:t>
+            </a:r>
+            <a:r>
+              <a:rPr lang="en-ID" dirty="0" err="1"/>
+              <a:t>melindungi</a:t>
+            </a:r>
+            <a:r>
+              <a:rPr lang="en-ID" dirty="0"/>
+              <a:t> </a:t>
+            </a:r>
+            <a:r>
+              <a:rPr lang="en-ID" dirty="0" err="1"/>
+              <a:t>privasi</a:t>
+            </a:r>
+            <a:r>
+              <a:rPr lang="en-ID" dirty="0"/>
+              <a:t> </a:t>
+            </a:r>
+            <a:r>
+              <a:rPr lang="en-ID" dirty="0" err="1"/>
+              <a:t>pengguna</a:t>
+            </a:r>
+            <a:r>
+              <a:rPr lang="en-ID" dirty="0"/>
+              <a:t>.</a:t>
+            </a:r>
+          </a:p>
+          <a:p>
+            <a:pPr marL="0" indent="0">
+              <a:buNone/>
+            </a:pPr>
+            <a:r>
+              <a:rPr lang="en-ID" b="1" dirty="0" err="1"/>
+              <a:t>Tanggung</a:t>
+            </a:r>
+            <a:r>
+              <a:rPr lang="en-ID" b="1" dirty="0"/>
+              <a:t> Jawab </a:t>
+            </a:r>
+            <a:r>
+              <a:rPr lang="en-ID" b="1" dirty="0" err="1"/>
+              <a:t>Pengguna</a:t>
+            </a:r>
+            <a:r>
+              <a:rPr lang="en-ID" dirty="0"/>
+              <a:t>:</a:t>
+            </a:r>
+            <a:br>
+              <a:rPr lang="en-ID" dirty="0"/>
+            </a:br>
+            <a:r>
+              <a:rPr lang="en-ID" dirty="0" err="1"/>
+              <a:t>Memahami</a:t>
+            </a:r>
+            <a:r>
+              <a:rPr lang="en-ID" dirty="0"/>
+              <a:t> </a:t>
+            </a:r>
+            <a:r>
+              <a:rPr lang="en-ID" dirty="0" err="1"/>
+              <a:t>tanggung</a:t>
+            </a:r>
+            <a:r>
+              <a:rPr lang="en-ID" dirty="0"/>
+              <a:t> </a:t>
+            </a:r>
+            <a:r>
+              <a:rPr lang="en-ID" dirty="0" err="1"/>
+              <a:t>jawab</a:t>
+            </a:r>
+            <a:r>
+              <a:rPr lang="en-ID" dirty="0"/>
+              <a:t> </a:t>
+            </a:r>
+            <a:r>
+              <a:rPr lang="en-ID" dirty="0" err="1"/>
+              <a:t>pengguna</a:t>
+            </a:r>
+            <a:r>
+              <a:rPr lang="en-ID" dirty="0"/>
+              <a:t> </a:t>
+            </a:r>
+            <a:r>
+              <a:rPr lang="en-ID" dirty="0" err="1"/>
+              <a:t>dalam</a:t>
+            </a:r>
+            <a:r>
+              <a:rPr lang="en-ID" dirty="0"/>
+              <a:t> </a:t>
+            </a:r>
+            <a:r>
+              <a:rPr lang="en-ID" dirty="0" err="1"/>
+              <a:t>menjaga</a:t>
+            </a:r>
+            <a:r>
+              <a:rPr lang="en-ID" dirty="0"/>
+              <a:t> </a:t>
+            </a:r>
+            <a:r>
+              <a:rPr lang="en-ID" dirty="0" err="1"/>
+              <a:t>privasi</a:t>
+            </a:r>
+            <a:r>
+              <a:rPr lang="en-ID" dirty="0"/>
+              <a:t> </a:t>
+            </a:r>
+            <a:r>
+              <a:rPr lang="en-ID" dirty="0" err="1"/>
+              <a:t>mereka</a:t>
+            </a:r>
+            <a:r>
+              <a:rPr lang="en-ID" dirty="0"/>
+              <a:t>, </a:t>
+            </a:r>
+            <a:r>
+              <a:rPr lang="en-ID" dirty="0" err="1"/>
+              <a:t>seperti</a:t>
+            </a:r>
+            <a:r>
+              <a:rPr lang="en-ID" dirty="0"/>
+              <a:t> </a:t>
+            </a:r>
+            <a:r>
+              <a:rPr lang="en-ID" dirty="0" err="1"/>
+              <a:t>pengaturan</a:t>
+            </a:r>
+            <a:r>
+              <a:rPr lang="en-ID" dirty="0"/>
+              <a:t> </a:t>
+            </a:r>
+            <a:r>
+              <a:rPr lang="en-ID" dirty="0" err="1"/>
+              <a:t>privasi</a:t>
+            </a:r>
+            <a:r>
+              <a:rPr lang="en-ID" dirty="0"/>
+              <a:t> pada media </a:t>
+            </a:r>
+            <a:r>
+              <a:rPr lang="en-ID" dirty="0" err="1"/>
+              <a:t>sosial</a:t>
+            </a:r>
+            <a:r>
+              <a:rPr lang="en-ID" dirty="0"/>
+              <a:t> dan </a:t>
+            </a:r>
+            <a:r>
+              <a:rPr lang="en-ID" dirty="0" err="1"/>
+              <a:t>aplikasi</a:t>
+            </a:r>
+            <a:r>
+              <a:rPr lang="en-ID" dirty="0"/>
+              <a:t>, </a:t>
+            </a:r>
+            <a:r>
+              <a:rPr lang="en-ID" dirty="0" err="1"/>
+              <a:t>serta</a:t>
+            </a:r>
+            <a:r>
+              <a:rPr lang="en-ID" dirty="0"/>
+              <a:t> </a:t>
+            </a:r>
+            <a:r>
+              <a:rPr lang="en-ID" dirty="0" err="1"/>
+              <a:t>pentingnya</a:t>
+            </a:r>
+            <a:r>
+              <a:rPr lang="en-ID" dirty="0"/>
+              <a:t> </a:t>
+            </a:r>
+            <a:r>
+              <a:rPr lang="en-ID" dirty="0" err="1"/>
+              <a:t>kesadaran</a:t>
+            </a:r>
+            <a:r>
+              <a:rPr lang="en-ID" dirty="0"/>
+              <a:t> </a:t>
+            </a:r>
+            <a:r>
+              <a:rPr lang="en-ID" dirty="0" err="1"/>
+              <a:t>akan</a:t>
+            </a:r>
+            <a:r>
+              <a:rPr lang="en-ID" dirty="0"/>
+              <a:t> </a:t>
+            </a:r>
+            <a:r>
+              <a:rPr lang="en-ID" dirty="0" err="1"/>
+              <a:t>kebijakan</a:t>
+            </a:r>
+            <a:r>
+              <a:rPr lang="en-ID" dirty="0"/>
+              <a:t> </a:t>
+            </a:r>
+            <a:r>
+              <a:rPr lang="en-ID" dirty="0" err="1"/>
+              <a:t>privasi</a:t>
+            </a:r>
+            <a:r>
+              <a:rPr lang="en-ID" dirty="0"/>
+              <a:t>.</a:t>
+            </a:r>
+            <a:endParaRPr lang="en-US" dirty="0"/>
+          </a:p>
+        </p:txBody>
+      </p:sp>
+    </p:spTree>
+    <p:extLst>
+      <p:ext uri="{BB962C8B-B14F-4D97-AF65-F5344CB8AC3E}">
+        <p14:creationId xmlns:p14="http://schemas.microsoft.com/office/powerpoint/2010/main" val="1163849338"/>
+      </p:ext>
+    </p:extLst>
+  </p:cSld>
+  <p:clrMapOvr>
+    <a:masterClrMapping/>
+  </p:clrMapOvr>
+</p:sld>
+</file>
+
+<file path=ppt/slides/slide12.xml><?xml version="1.0" encoding="utf-8"?>
+<p:sld xmlns:a="http://schemas.openxmlformats.org/drawingml/2006/main" xmlns:r="http://schemas.openxmlformats.org/officeDocument/2006/relationships" xmlns:p="http://schemas.openxmlformats.org/presentationml/2006/main">
+  <p:cSld>
+    <p:spTree>
+      <p:nvGrpSpPr>
+        <p:cNvPr id="1" name=""/>
+        <p:cNvGrpSpPr/>
+        <p:nvPr/>
+      </p:nvGrpSpPr>
+      <p:grpSpPr>
+        <a:xfrm>
+          <a:off x="0" y="0"/>
+          <a:ext cx="0" cy="0"/>
+          <a:chOff x="0" y="0"/>
+          <a:chExt cx="0" cy="0"/>
+        </a:xfrm>
+      </p:grpSpPr>
+      <p:sp>
+        <p:nvSpPr>
+          <p:cNvPr id="2" name="Title 1">
+            <a:extLst>
+              <a:ext uri="{FF2B5EF4-FFF2-40B4-BE49-F238E27FC236}">
+                <a16:creationId xmlns:a16="http://schemas.microsoft.com/office/drawing/2014/main" id="{0A2B83EC-314D-334A-2B41-83035E6B9D35}"/>
+              </a:ext>
+            </a:extLst>
+          </p:cNvPr>
+          <p:cNvSpPr>
+            <a:spLocks noGrp="1"/>
+          </p:cNvSpPr>
+          <p:nvPr>
+            <p:ph type="title"/>
+          </p:nvPr>
+        </p:nvSpPr>
+        <p:spPr/>
+        <p:txBody>
+          <a:bodyPr/>
+          <a:lstStyle/>
+          <a:p>
+            <a:r>
+              <a:rPr lang="en-US" dirty="0"/>
+              <a:t>Kesimpulan</a:t>
+            </a:r>
+          </a:p>
+        </p:txBody>
+      </p:sp>
+      <p:sp>
+        <p:nvSpPr>
+          <p:cNvPr id="3" name="Content Placeholder 2">
+            <a:extLst>
+              <a:ext uri="{FF2B5EF4-FFF2-40B4-BE49-F238E27FC236}">
+                <a16:creationId xmlns:a16="http://schemas.microsoft.com/office/drawing/2014/main" id="{B495D73F-5E64-82EA-8104-EA7A3F781769}"/>
+              </a:ext>
+            </a:extLst>
+          </p:cNvPr>
+          <p:cNvSpPr>
+            <a:spLocks noGrp="1"/>
+          </p:cNvSpPr>
+          <p:nvPr>
+            <p:ph idx="1"/>
+          </p:nvPr>
+        </p:nvSpPr>
+        <p:spPr/>
+        <p:txBody>
+          <a:bodyPr/>
+          <a:lstStyle/>
+          <a:p>
+            <a:r>
+              <a:rPr lang="en-ID" dirty="0"/>
+              <a:t>Etika TI </a:t>
+            </a:r>
+            <a:r>
+              <a:rPr lang="en-ID" dirty="0" err="1"/>
+              <a:t>adalah</a:t>
+            </a:r>
+            <a:r>
+              <a:rPr lang="en-ID" dirty="0"/>
+              <a:t> </a:t>
+            </a:r>
+            <a:r>
+              <a:rPr lang="en-ID" dirty="0" err="1"/>
+              <a:t>fondasi</a:t>
+            </a:r>
+            <a:r>
+              <a:rPr lang="en-ID" dirty="0"/>
+              <a:t> </a:t>
+            </a:r>
+            <a:r>
+              <a:rPr lang="en-ID" dirty="0" err="1"/>
+              <a:t>penting</a:t>
+            </a:r>
+            <a:r>
+              <a:rPr lang="en-ID" dirty="0"/>
+              <a:t> </a:t>
+            </a:r>
+            <a:r>
+              <a:rPr lang="en-ID" dirty="0" err="1"/>
+              <a:t>dalam</a:t>
+            </a:r>
+            <a:r>
+              <a:rPr lang="en-ID" dirty="0"/>
+              <a:t> </a:t>
+            </a:r>
+            <a:r>
+              <a:rPr lang="en-ID" dirty="0" err="1"/>
+              <a:t>membangun</a:t>
+            </a:r>
+            <a:r>
+              <a:rPr lang="en-ID" dirty="0"/>
+              <a:t> dunia digital yang </a:t>
+            </a:r>
+            <a:r>
+              <a:rPr lang="en-ID" dirty="0" err="1"/>
+              <a:t>aman</a:t>
+            </a:r>
+            <a:r>
+              <a:rPr lang="en-ID" dirty="0"/>
+              <a:t>, </a:t>
+            </a:r>
+            <a:r>
+              <a:rPr lang="en-ID" dirty="0" err="1"/>
+              <a:t>adil</a:t>
+            </a:r>
+            <a:r>
+              <a:rPr lang="en-ID" dirty="0"/>
+              <a:t>, dan </a:t>
+            </a:r>
+            <a:r>
+              <a:rPr lang="en-ID" dirty="0" err="1"/>
+              <a:t>bermanfaat</a:t>
+            </a:r>
+            <a:r>
+              <a:rPr lang="en-ID" dirty="0"/>
+              <a:t> </a:t>
+            </a:r>
+            <a:r>
+              <a:rPr lang="en-ID" dirty="0" err="1"/>
+              <a:t>bagi</a:t>
+            </a:r>
+            <a:r>
+              <a:rPr lang="en-ID" dirty="0"/>
+              <a:t> </a:t>
+            </a:r>
+            <a:r>
+              <a:rPr lang="en-ID" dirty="0" err="1"/>
+              <a:t>semua</a:t>
+            </a:r>
+            <a:r>
+              <a:rPr lang="en-ID" dirty="0"/>
+              <a:t>. </a:t>
+            </a:r>
+          </a:p>
+          <a:p>
+            <a:r>
+              <a:rPr lang="en-ID" dirty="0" err="1"/>
+              <a:t>Dengan</a:t>
+            </a:r>
+            <a:r>
+              <a:rPr lang="en-ID" dirty="0"/>
+              <a:t> </a:t>
+            </a:r>
+            <a:r>
+              <a:rPr lang="en-ID" dirty="0" err="1"/>
+              <a:t>memahami</a:t>
+            </a:r>
+            <a:r>
+              <a:rPr lang="en-ID" dirty="0"/>
+              <a:t> dan </a:t>
+            </a:r>
+            <a:r>
+              <a:rPr lang="en-ID" dirty="0" err="1"/>
+              <a:t>menerapkan</a:t>
+            </a:r>
+            <a:r>
+              <a:rPr lang="en-ID" dirty="0"/>
+              <a:t> </a:t>
+            </a:r>
+            <a:r>
+              <a:rPr lang="en-ID" dirty="0" err="1"/>
+              <a:t>prinsip-prinsip</a:t>
+            </a:r>
+            <a:r>
+              <a:rPr lang="en-ID" dirty="0"/>
+              <a:t> </a:t>
+            </a:r>
+            <a:r>
+              <a:rPr lang="en-ID" dirty="0" err="1"/>
+              <a:t>etika</a:t>
+            </a:r>
+            <a:r>
+              <a:rPr lang="en-ID" dirty="0"/>
+              <a:t>, </a:t>
+            </a:r>
+            <a:r>
+              <a:rPr lang="en-ID" dirty="0" err="1"/>
+              <a:t>kita</a:t>
+            </a:r>
+            <a:r>
+              <a:rPr lang="en-ID" dirty="0"/>
+              <a:t> </a:t>
+            </a:r>
+            <a:r>
+              <a:rPr lang="en-ID" dirty="0" err="1"/>
+              <a:t>dapat</a:t>
+            </a:r>
+            <a:r>
+              <a:rPr lang="en-ID" dirty="0"/>
+              <a:t> </a:t>
+            </a:r>
+            <a:r>
+              <a:rPr lang="en-ID" dirty="0" err="1"/>
+              <a:t>menggunakan</a:t>
+            </a:r>
+            <a:r>
+              <a:rPr lang="en-ID" dirty="0"/>
+              <a:t> </a:t>
+            </a:r>
+            <a:r>
+              <a:rPr lang="en-ID" dirty="0" err="1"/>
+              <a:t>teknologi</a:t>
+            </a:r>
+            <a:r>
+              <a:rPr lang="en-ID" dirty="0"/>
+              <a:t> </a:t>
+            </a:r>
+            <a:r>
+              <a:rPr lang="en-ID" dirty="0" err="1"/>
+              <a:t>secara</a:t>
+            </a:r>
+            <a:r>
+              <a:rPr lang="en-ID" dirty="0"/>
+              <a:t> </a:t>
+            </a:r>
+            <a:r>
+              <a:rPr lang="en-ID" dirty="0" err="1"/>
+              <a:t>bertanggung</a:t>
+            </a:r>
+            <a:r>
+              <a:rPr lang="en-ID" dirty="0"/>
+              <a:t> </a:t>
+            </a:r>
+            <a:r>
+              <a:rPr lang="en-ID" dirty="0" err="1"/>
+              <a:t>jawab</a:t>
+            </a:r>
+            <a:r>
+              <a:rPr lang="en-ID" dirty="0"/>
+              <a:t> dan </a:t>
+            </a:r>
+            <a:r>
+              <a:rPr lang="en-ID" dirty="0" err="1"/>
+              <a:t>meminimalkan</a:t>
+            </a:r>
+            <a:r>
+              <a:rPr lang="en-ID" dirty="0"/>
+              <a:t> </a:t>
+            </a:r>
+            <a:r>
+              <a:rPr lang="en-ID" dirty="0" err="1"/>
+              <a:t>dampak</a:t>
+            </a:r>
+            <a:r>
+              <a:rPr lang="en-ID" dirty="0"/>
+              <a:t> </a:t>
+            </a:r>
+            <a:r>
+              <a:rPr lang="en-ID" dirty="0" err="1"/>
+              <a:t>negatifnya</a:t>
+            </a:r>
+            <a:r>
+              <a:rPr lang="en-ID" dirty="0"/>
+              <a:t>.</a:t>
+            </a:r>
+            <a:endParaRPr lang="en-US" dirty="0"/>
+          </a:p>
+        </p:txBody>
+      </p:sp>
+    </p:spTree>
+    <p:extLst>
+      <p:ext uri="{BB962C8B-B14F-4D97-AF65-F5344CB8AC3E}">
+        <p14:creationId xmlns:p14="http://schemas.microsoft.com/office/powerpoint/2010/main" val="2100736388"/>
       </p:ext>
     </p:extLst>
   </p:cSld>
@@ -4223,11 +5667,9 @@
             </a:r>
           </a:p>
           <a:p>
-            <a:endParaRPr lang="en-ID" b="1" dirty="0"/>
-          </a:p>
-          <a:p>
-            <a:pPr marL="0" indent="0">
-              <a:buNone/>
+            <a:pPr>
+              <a:buFont typeface="Arial" panose="020B0604020202020204" pitchFamily="34" charset="0"/>
+              <a:buChar char="•"/>
             </a:pPr>
             <a:r>
               <a:rPr lang="en-ID" b="1" dirty="0" err="1"/>
@@ -4383,7 +5825,7 @@
           <p:cNvPr id="2" name="Title 1">
             <a:extLst>
               <a:ext uri="{FF2B5EF4-FFF2-40B4-BE49-F238E27FC236}">
-                <a16:creationId xmlns:a16="http://schemas.microsoft.com/office/drawing/2014/main" id="{B3D966DB-4829-79D4-11F0-726DC4856A03}"/>
+                <a16:creationId xmlns:a16="http://schemas.microsoft.com/office/drawing/2014/main" id="{A0DB0181-B2F8-EE22-24C3-F419ABA7381A}"/>
               </a:ext>
             </a:extLst>
           </p:cNvPr>
@@ -4400,32 +5842,12 @@
           <a:lstStyle/>
           <a:p>
             <a:r>
-              <a:rPr lang="en-ID" dirty="0"/>
-              <a:t>Hak </a:t>
-            </a:r>
-            <a:r>
-              <a:rPr lang="en-ID" dirty="0" err="1"/>
-              <a:t>Cipta</a:t>
-            </a:r>
-            <a:r>
-              <a:rPr lang="en-ID" dirty="0"/>
-              <a:t>, Hak </a:t>
-            </a:r>
-            <a:r>
-              <a:rPr lang="en-ID" dirty="0" err="1"/>
-              <a:t>Kekayaan</a:t>
-            </a:r>
-            <a:r>
-              <a:rPr lang="en-ID" dirty="0"/>
-              <a:t> </a:t>
-            </a:r>
-            <a:r>
-              <a:rPr lang="en-ID" dirty="0" err="1"/>
-              <a:t>Intelektual</a:t>
-            </a:r>
-            <a:r>
-              <a:rPr lang="en-ID" dirty="0"/>
-              <a:t>, dan Paten di Dunia TI</a:t>
+              <a:rPr lang="en-ID" b="1" dirty="0" err="1"/>
+              <a:t>Prinsip-Prinsip</a:t>
+            </a:r>
+            <a:r>
+              <a:rPr lang="en-ID" b="1" dirty="0"/>
+              <a:t> Etika TI</a:t>
             </a:r>
             <a:endParaRPr lang="en-US" dirty="0"/>
           </a:p>
@@ -4436,7 +5858,7 @@
           <p:cNvPr id="3" name="Content Placeholder 2">
             <a:extLst>
               <a:ext uri="{FF2B5EF4-FFF2-40B4-BE49-F238E27FC236}">
-                <a16:creationId xmlns:a16="http://schemas.microsoft.com/office/drawing/2014/main" id="{DF1E8D92-DB8B-0370-F639-CFA044E2AAAB}"/>
+                <a16:creationId xmlns:a16="http://schemas.microsoft.com/office/drawing/2014/main" id="{6702CCF1-1CA0-725F-D21D-1709F1DCF9F0}"/>
               </a:ext>
             </a:extLst>
           </p:cNvPr>
@@ -4450,32 +5872,339 @@
         <p:spPr/>
         <p:txBody>
           <a:bodyPr>
-            <a:normAutofit fontScale="85000" lnSpcReduction="20000"/>
+            <a:normAutofit fontScale="70000" lnSpcReduction="20000"/>
           </a:bodyPr>
           <a:lstStyle/>
           <a:p>
-            <a:pPr marL="0" indent="0">
-              <a:buNone/>
+            <a:pPr>
+              <a:buFont typeface="Arial" panose="020B0604020202020204" pitchFamily="34" charset="0"/>
+              <a:buChar char="•"/>
             </a:pPr>
             <a:r>
+              <a:rPr lang="en-ID" b="1" dirty="0" err="1"/>
+              <a:t>Kejujuran</a:t>
+            </a:r>
+            <a:r>
               <a:rPr lang="en-ID" b="1" dirty="0"/>
-              <a:t>Hak </a:t>
-            </a:r>
+              <a:t>:</a:t>
+            </a:r>
+            <a:r>
+              <a:rPr lang="en-ID" dirty="0"/>
+              <a:t> </a:t>
+            </a:r>
+          </a:p>
+          <a:p>
+            <a:pPr lvl="1"/>
+            <a:r>
+              <a:rPr lang="en-ID" dirty="0" err="1"/>
+              <a:t>Tidak</a:t>
+            </a:r>
+            <a:r>
+              <a:rPr lang="en-ID" dirty="0"/>
+              <a:t> </a:t>
+            </a:r>
+            <a:r>
+              <a:rPr lang="en-ID" dirty="0" err="1"/>
+              <a:t>memalsukan</a:t>
+            </a:r>
+            <a:r>
+              <a:rPr lang="en-ID" dirty="0"/>
+              <a:t> data </a:t>
+            </a:r>
+            <a:r>
+              <a:rPr lang="en-ID" dirty="0" err="1"/>
+              <a:t>atau</a:t>
+            </a:r>
+            <a:r>
+              <a:rPr lang="en-ID" dirty="0"/>
+              <a:t> </a:t>
+            </a:r>
+            <a:r>
+              <a:rPr lang="en-ID" dirty="0" err="1"/>
+              <a:t>informasi</a:t>
+            </a:r>
+            <a:r>
+              <a:rPr lang="en-ID" dirty="0"/>
+              <a:t>.</a:t>
+            </a:r>
+          </a:p>
+          <a:p>
+            <a:pPr lvl="1"/>
+            <a:r>
+              <a:rPr lang="en-ID" dirty="0" err="1"/>
+              <a:t>Memberikan</a:t>
+            </a:r>
+            <a:r>
+              <a:rPr lang="en-ID" dirty="0"/>
+              <a:t> </a:t>
+            </a:r>
+            <a:r>
+              <a:rPr lang="en-ID" dirty="0" err="1"/>
+              <a:t>atribusi</a:t>
+            </a:r>
+            <a:r>
+              <a:rPr lang="en-ID" dirty="0"/>
+              <a:t> yang </a:t>
+            </a:r>
+            <a:r>
+              <a:rPr lang="en-ID" dirty="0" err="1"/>
+              <a:t>tepat</a:t>
+            </a:r>
+            <a:r>
+              <a:rPr lang="en-ID" dirty="0"/>
+              <a:t> pada </a:t>
+            </a:r>
+            <a:r>
+              <a:rPr lang="en-ID" dirty="0" err="1"/>
+              <a:t>sumber</a:t>
+            </a:r>
+            <a:r>
+              <a:rPr lang="en-ID" dirty="0"/>
+              <a:t> </a:t>
+            </a:r>
+            <a:r>
+              <a:rPr lang="en-ID" dirty="0" err="1"/>
+              <a:t>informasi</a:t>
+            </a:r>
+            <a:r>
+              <a:rPr lang="en-ID" dirty="0"/>
+              <a:t>.</a:t>
+            </a:r>
+          </a:p>
+          <a:p>
+            <a:pPr lvl="1"/>
+            <a:r>
+              <a:rPr lang="en-ID" dirty="0" err="1"/>
+              <a:t>Menghindari</a:t>
+            </a:r>
+            <a:r>
+              <a:rPr lang="en-ID" dirty="0"/>
+              <a:t> </a:t>
+            </a:r>
+            <a:r>
+              <a:rPr lang="en-ID" dirty="0" err="1"/>
+              <a:t>manipulasi</a:t>
+            </a:r>
+            <a:r>
+              <a:rPr lang="en-ID" dirty="0"/>
+              <a:t> data </a:t>
+            </a:r>
+            <a:r>
+              <a:rPr lang="en-ID" dirty="0" err="1"/>
+              <a:t>untuk</a:t>
+            </a:r>
+            <a:r>
+              <a:rPr lang="en-ID" dirty="0"/>
+              <a:t> </a:t>
+            </a:r>
+            <a:r>
+              <a:rPr lang="en-ID" dirty="0" err="1"/>
+              <a:t>keuntungan</a:t>
+            </a:r>
+            <a:r>
+              <a:rPr lang="en-ID" dirty="0"/>
+              <a:t> </a:t>
+            </a:r>
+            <a:r>
+              <a:rPr lang="en-ID" dirty="0" err="1"/>
+              <a:t>pribadi</a:t>
+            </a:r>
+            <a:r>
+              <a:rPr lang="en-ID" dirty="0"/>
+              <a:t>.</a:t>
+            </a:r>
+          </a:p>
+          <a:p>
+            <a:pPr>
+              <a:buFont typeface="Arial" panose="020B0604020202020204" pitchFamily="34" charset="0"/>
+              <a:buChar char="•"/>
+            </a:pPr>
             <a:r>
               <a:rPr lang="en-ID" b="1" dirty="0" err="1"/>
-              <a:t>Cipta</a:t>
+              <a:t>Integritas</a:t>
             </a:r>
             <a:r>
               <a:rPr lang="en-ID" b="1" dirty="0"/>
-              <a:t> (Copyright)</a:t>
-            </a:r>
-            <a:r>
-              <a:rPr lang="en-ID" dirty="0"/>
               <a:t>:</a:t>
             </a:r>
-            <a:br>
-              <a:rPr lang="en-ID" dirty="0"/>
-            </a:br>
+            <a:r>
+              <a:rPr lang="en-ID" dirty="0"/>
+              <a:t> </a:t>
+            </a:r>
+          </a:p>
+          <a:p>
+            <a:pPr lvl="1"/>
+            <a:r>
+              <a:rPr lang="en-ID" dirty="0" err="1"/>
+              <a:t>Tidak</a:t>
+            </a:r>
+            <a:r>
+              <a:rPr lang="en-ID" dirty="0"/>
+              <a:t> </a:t>
+            </a:r>
+            <a:r>
+              <a:rPr lang="en-ID" dirty="0" err="1"/>
+              <a:t>menggunakan</a:t>
+            </a:r>
+            <a:r>
+              <a:rPr lang="en-ID" dirty="0"/>
+              <a:t> </a:t>
+            </a:r>
+            <a:r>
+              <a:rPr lang="en-ID" dirty="0" err="1"/>
+              <a:t>teknologi</a:t>
+            </a:r>
+            <a:r>
+              <a:rPr lang="en-ID" dirty="0"/>
+              <a:t> </a:t>
+            </a:r>
+            <a:r>
+              <a:rPr lang="en-ID" dirty="0" err="1"/>
+              <a:t>untuk</a:t>
+            </a:r>
+            <a:r>
+              <a:rPr lang="en-ID" dirty="0"/>
+              <a:t> </a:t>
+            </a:r>
+            <a:r>
+              <a:rPr lang="en-ID" dirty="0" err="1"/>
+              <a:t>mencuri</a:t>
+            </a:r>
+            <a:r>
+              <a:rPr lang="en-ID" dirty="0"/>
+              <a:t> </a:t>
+            </a:r>
+            <a:r>
+              <a:rPr lang="en-ID" dirty="0" err="1"/>
+              <a:t>atau</a:t>
+            </a:r>
+            <a:r>
+              <a:rPr lang="en-ID" dirty="0"/>
+              <a:t> </a:t>
+            </a:r>
+            <a:r>
+              <a:rPr lang="en-ID" dirty="0" err="1"/>
+              <a:t>merusak</a:t>
+            </a:r>
+            <a:r>
+              <a:rPr lang="en-ID" dirty="0"/>
+              <a:t> data orang lain.</a:t>
+            </a:r>
+          </a:p>
+          <a:p>
+            <a:pPr lvl="1"/>
+            <a:r>
+              <a:rPr lang="en-ID" dirty="0" err="1"/>
+              <a:t>Menghindari</a:t>
+            </a:r>
+            <a:r>
+              <a:rPr lang="en-ID" dirty="0"/>
+              <a:t> </a:t>
+            </a:r>
+            <a:r>
+              <a:rPr lang="en-ID" dirty="0" err="1"/>
+              <a:t>plagiarisme</a:t>
+            </a:r>
+            <a:r>
+              <a:rPr lang="en-ID" dirty="0"/>
+              <a:t> </a:t>
+            </a:r>
+            <a:r>
+              <a:rPr lang="en-ID" dirty="0" err="1"/>
+              <a:t>dalam</a:t>
+            </a:r>
+            <a:r>
+              <a:rPr lang="en-ID" dirty="0"/>
+              <a:t> </a:t>
+            </a:r>
+            <a:r>
+              <a:rPr lang="en-ID" dirty="0" err="1"/>
+              <a:t>karya</a:t>
+            </a:r>
+            <a:r>
+              <a:rPr lang="en-ID" dirty="0"/>
+              <a:t> digital.</a:t>
+            </a:r>
+          </a:p>
+          <a:p>
+            <a:pPr lvl="1"/>
+            <a:r>
+              <a:rPr lang="en-ID" dirty="0" err="1"/>
+              <a:t>Menggunakan</a:t>
+            </a:r>
+            <a:r>
+              <a:rPr lang="en-ID" dirty="0"/>
+              <a:t> </a:t>
+            </a:r>
+            <a:r>
+              <a:rPr lang="en-ID" dirty="0" err="1"/>
+              <a:t>teknologi</a:t>
+            </a:r>
+            <a:r>
+              <a:rPr lang="en-ID" dirty="0"/>
+              <a:t> </a:t>
+            </a:r>
+            <a:r>
+              <a:rPr lang="en-ID" dirty="0" err="1"/>
+              <a:t>secara</a:t>
+            </a:r>
+            <a:r>
+              <a:rPr lang="en-ID" dirty="0"/>
+              <a:t> </a:t>
+            </a:r>
+            <a:r>
+              <a:rPr lang="en-ID" dirty="0" err="1"/>
+              <a:t>bertanggung</a:t>
+            </a:r>
+            <a:r>
+              <a:rPr lang="en-ID" dirty="0"/>
+              <a:t> </a:t>
+            </a:r>
+            <a:r>
+              <a:rPr lang="en-ID" dirty="0" err="1"/>
+              <a:t>jawab</a:t>
+            </a:r>
+            <a:r>
+              <a:rPr lang="en-ID" dirty="0"/>
+              <a:t> dan </a:t>
+            </a:r>
+            <a:r>
+              <a:rPr lang="en-ID" dirty="0" err="1"/>
+              <a:t>tidak</a:t>
+            </a:r>
+            <a:r>
+              <a:rPr lang="en-ID" dirty="0"/>
+              <a:t> </a:t>
+            </a:r>
+            <a:r>
+              <a:rPr lang="en-ID" dirty="0" err="1"/>
+              <a:t>berlebihan</a:t>
+            </a:r>
+            <a:r>
+              <a:rPr lang="en-ID" dirty="0"/>
+              <a:t>.</a:t>
+            </a:r>
+          </a:p>
+          <a:p>
+            <a:pPr>
+              <a:buFont typeface="Arial" panose="020B0604020202020204" pitchFamily="34" charset="0"/>
+              <a:buChar char="•"/>
+            </a:pPr>
+            <a:r>
+              <a:rPr lang="en-ID" b="1" dirty="0" err="1"/>
+              <a:t>Tanggung</a:t>
+            </a:r>
+            <a:r>
+              <a:rPr lang="en-ID" b="1" dirty="0"/>
+              <a:t> Jawab Sosial:</a:t>
+            </a:r>
+            <a:r>
+              <a:rPr lang="en-ID" dirty="0"/>
+              <a:t> </a:t>
+            </a:r>
+          </a:p>
+          <a:p>
+            <a:pPr lvl="1"/>
             <a:r>
               <a:rPr lang="en-ID" dirty="0" err="1"/>
               <a:t>Melindungi</a:t>
@@ -4486,23 +6215,237 @@
             </a:r>
             <a:r>
               <a:rPr lang="en-ID" dirty="0" err="1"/>
-              <a:t>karya</a:t>
-            </a:r>
-            <a:r>
-              <a:rPr lang="en-ID" dirty="0"/>
-              <a:t> </a:t>
-            </a:r>
-            <a:r>
-              <a:rPr lang="en-ID" dirty="0" err="1"/>
-              <a:t>orisinal</a:t>
-            </a:r>
-            <a:r>
-              <a:rPr lang="en-ID" dirty="0"/>
-              <a:t> </a:t>
-            </a:r>
-            <a:r>
-              <a:rPr lang="en-ID" dirty="0" err="1"/>
-              <a:t>seperti</a:t>
+              <a:t>privasi</a:t>
+            </a:r>
+            <a:r>
+              <a:rPr lang="en-ID" dirty="0"/>
+              <a:t> data </a:t>
+            </a:r>
+            <a:r>
+              <a:rPr lang="en-ID" dirty="0" err="1"/>
+              <a:t>pribadi</a:t>
+            </a:r>
+            <a:r>
+              <a:rPr lang="en-ID" dirty="0"/>
+              <a:t>.</a:t>
+            </a:r>
+          </a:p>
+          <a:p>
+            <a:pPr lvl="1"/>
+            <a:r>
+              <a:rPr lang="en-ID" dirty="0" err="1"/>
+              <a:t>Menghindari</a:t>
+            </a:r>
+            <a:r>
+              <a:rPr lang="en-ID" dirty="0"/>
+              <a:t> </a:t>
+            </a:r>
+            <a:r>
+              <a:rPr lang="en-ID" dirty="0" err="1"/>
+              <a:t>diskriminasi</a:t>
+            </a:r>
+            <a:r>
+              <a:rPr lang="en-ID" dirty="0"/>
+              <a:t> </a:t>
+            </a:r>
+            <a:r>
+              <a:rPr lang="en-ID" dirty="0" err="1"/>
+              <a:t>dalam</a:t>
+            </a:r>
+            <a:r>
+              <a:rPr lang="en-ID" dirty="0"/>
+              <a:t> </a:t>
+            </a:r>
+            <a:r>
+              <a:rPr lang="en-ID" dirty="0" err="1"/>
+              <a:t>penggunaan</a:t>
+            </a:r>
+            <a:r>
+              <a:rPr lang="en-ID" dirty="0"/>
+              <a:t> </a:t>
+            </a:r>
+            <a:r>
+              <a:rPr lang="en-ID" dirty="0" err="1"/>
+              <a:t>teknologi</a:t>
+            </a:r>
+            <a:r>
+              <a:rPr lang="en-ID" dirty="0"/>
+              <a:t>.</a:t>
+            </a:r>
+          </a:p>
+          <a:p>
+            <a:pPr lvl="1"/>
+            <a:r>
+              <a:rPr lang="en-ID" dirty="0" err="1"/>
+              <a:t>Menggunakan</a:t>
+            </a:r>
+            <a:r>
+              <a:rPr lang="en-ID" dirty="0"/>
+              <a:t> </a:t>
+            </a:r>
+            <a:r>
+              <a:rPr lang="en-ID" dirty="0" err="1"/>
+              <a:t>teknologi</a:t>
+            </a:r>
+            <a:r>
+              <a:rPr lang="en-ID" dirty="0"/>
+              <a:t> </a:t>
+            </a:r>
+            <a:r>
+              <a:rPr lang="en-ID" dirty="0" err="1"/>
+              <a:t>untuk</a:t>
+            </a:r>
+            <a:r>
+              <a:rPr lang="en-ID" dirty="0"/>
+              <a:t> </a:t>
+            </a:r>
+            <a:r>
+              <a:rPr lang="en-ID" dirty="0" err="1"/>
+              <a:t>tujuan</a:t>
+            </a:r>
+            <a:r>
+              <a:rPr lang="en-ID" dirty="0"/>
+              <a:t> yang </a:t>
+            </a:r>
+            <a:r>
+              <a:rPr lang="en-ID" dirty="0" err="1"/>
+              <a:t>bermanfaat</a:t>
+            </a:r>
+            <a:r>
+              <a:rPr lang="en-ID" dirty="0"/>
+              <a:t> </a:t>
+            </a:r>
+            <a:r>
+              <a:rPr lang="en-ID" dirty="0" err="1"/>
+              <a:t>bagi</a:t>
+            </a:r>
+            <a:r>
+              <a:rPr lang="en-ID" dirty="0"/>
+              <a:t> </a:t>
+            </a:r>
+            <a:r>
+              <a:rPr lang="en-ID" dirty="0" err="1"/>
+              <a:t>masyarakat</a:t>
+            </a:r>
+            <a:r>
+              <a:rPr lang="en-ID" dirty="0"/>
+              <a:t>.</a:t>
+            </a:r>
+          </a:p>
+          <a:p>
+            <a:pPr>
+              <a:buFont typeface="Arial" panose="020B0604020202020204" pitchFamily="34" charset="0"/>
+              <a:buChar char="•"/>
+            </a:pPr>
+            <a:r>
+              <a:rPr lang="en-ID" b="1" dirty="0" err="1"/>
+              <a:t>Kepatuhan</a:t>
+            </a:r>
+            <a:r>
+              <a:rPr lang="en-ID" b="1" dirty="0"/>
+              <a:t> </a:t>
+            </a:r>
+            <a:r>
+              <a:rPr lang="en-ID" b="1" dirty="0" err="1"/>
+              <a:t>terhadap</a:t>
+            </a:r>
+            <a:r>
+              <a:rPr lang="en-ID" b="1" dirty="0"/>
+              <a:t> </a:t>
+            </a:r>
+            <a:r>
+              <a:rPr lang="en-ID" b="1" dirty="0" err="1"/>
+              <a:t>Kebijakan</a:t>
+            </a:r>
+            <a:r>
+              <a:rPr lang="en-ID" b="1" dirty="0"/>
+              <a:t>:</a:t>
+            </a:r>
+            <a:r>
+              <a:rPr lang="en-ID" dirty="0"/>
+              <a:t> </a:t>
+            </a:r>
+          </a:p>
+          <a:p>
+            <a:pPr lvl="1"/>
+            <a:r>
+              <a:rPr lang="en-ID" dirty="0" err="1"/>
+              <a:t>Memahami</a:t>
+            </a:r>
+            <a:r>
+              <a:rPr lang="en-ID" dirty="0"/>
+              <a:t> dan </a:t>
+            </a:r>
+            <a:r>
+              <a:rPr lang="en-ID" dirty="0" err="1"/>
+              <a:t>mematuhi</a:t>
+            </a:r>
+            <a:r>
+              <a:rPr lang="en-ID" dirty="0"/>
+              <a:t> </a:t>
+            </a:r>
+            <a:r>
+              <a:rPr lang="en-ID" dirty="0" err="1"/>
+              <a:t>kebijakan</a:t>
+            </a:r>
+            <a:r>
+              <a:rPr lang="en-ID" dirty="0"/>
+              <a:t> </a:t>
+            </a:r>
+            <a:r>
+              <a:rPr lang="en-ID" dirty="0" err="1"/>
+              <a:t>penggunaan</a:t>
+            </a:r>
+            <a:r>
+              <a:rPr lang="en-ID" dirty="0"/>
+              <a:t> </a:t>
+            </a:r>
+            <a:r>
+              <a:rPr lang="en-ID" dirty="0" err="1"/>
+              <a:t>teknologi</a:t>
+            </a:r>
+            <a:r>
+              <a:rPr lang="en-ID" dirty="0"/>
+              <a:t> di </a:t>
+            </a:r>
+            <a:r>
+              <a:rPr lang="en-ID" dirty="0" err="1"/>
+              <a:t>organisasi</a:t>
+            </a:r>
+            <a:r>
+              <a:rPr lang="en-ID" dirty="0"/>
+              <a:t>.</a:t>
+            </a:r>
+          </a:p>
+          <a:p>
+            <a:pPr lvl="1"/>
+            <a:r>
+              <a:rPr lang="en-ID" dirty="0" err="1"/>
+              <a:t>Menghormati</a:t>
+            </a:r>
+            <a:r>
+              <a:rPr lang="en-ID" dirty="0"/>
+              <a:t> </a:t>
+            </a:r>
+            <a:r>
+              <a:rPr lang="en-ID" dirty="0" err="1"/>
+              <a:t>hak</a:t>
+            </a:r>
+            <a:r>
+              <a:rPr lang="en-ID" dirty="0"/>
+              <a:t> </a:t>
+            </a:r>
+            <a:r>
+              <a:rPr lang="en-ID" dirty="0" err="1"/>
+              <a:t>cipta</a:t>
+            </a:r>
+            <a:r>
+              <a:rPr lang="en-ID" dirty="0"/>
+              <a:t> dan </a:t>
+            </a:r>
+            <a:r>
+              <a:rPr lang="en-ID" dirty="0" err="1"/>
+              <a:t>lisensi</a:t>
             </a:r>
             <a:r>
               <a:rPr lang="en-ID" dirty="0"/>
@@ -4522,283 +6465,38 @@
             </a:r>
             <a:r>
               <a:rPr lang="en-ID" dirty="0"/>
-              <a:t>, </a:t>
-            </a:r>
-            <a:r>
-              <a:rPr lang="en-ID" dirty="0" err="1"/>
-              <a:t>musik</a:t>
-            </a:r>
-            <a:r>
-              <a:rPr lang="en-ID" dirty="0"/>
-              <a:t>, dan </a:t>
-            </a:r>
-            <a:r>
-              <a:rPr lang="en-ID" dirty="0" err="1"/>
-              <a:t>karya</a:t>
-            </a:r>
-            <a:r>
-              <a:rPr lang="en-ID" dirty="0"/>
-              <a:t> </a:t>
-            </a:r>
-            <a:r>
-              <a:rPr lang="en-ID" dirty="0" err="1"/>
-              <a:t>tulis</a:t>
-            </a:r>
-            <a:r>
-              <a:rPr lang="en-ID" dirty="0"/>
-              <a:t>. Hak </a:t>
-            </a:r>
-            <a:r>
-              <a:rPr lang="en-ID" dirty="0" err="1"/>
-              <a:t>cipta</a:t>
-            </a:r>
-            <a:r>
-              <a:rPr lang="en-ID" dirty="0"/>
-              <a:t> </a:t>
-            </a:r>
-            <a:r>
-              <a:rPr lang="en-ID" dirty="0" err="1"/>
-              <a:t>memberikan</a:t>
-            </a:r>
-            <a:r>
-              <a:rPr lang="en-ID" dirty="0"/>
-              <a:t> </a:t>
-            </a:r>
-            <a:r>
-              <a:rPr lang="en-ID" dirty="0" err="1"/>
-              <a:t>hak</a:t>
-            </a:r>
-            <a:r>
-              <a:rPr lang="en-ID" dirty="0"/>
-              <a:t> </a:t>
-            </a:r>
-            <a:r>
-              <a:rPr lang="en-ID" dirty="0" err="1"/>
-              <a:t>kepada</a:t>
-            </a:r>
-            <a:r>
-              <a:rPr lang="en-ID" dirty="0"/>
-              <a:t> </a:t>
-            </a:r>
-            <a:r>
-              <a:rPr lang="en-ID" dirty="0" err="1"/>
-              <a:t>pencipta</a:t>
-            </a:r>
-            <a:r>
-              <a:rPr lang="en-ID" dirty="0"/>
-              <a:t> </a:t>
-            </a:r>
-            <a:r>
-              <a:rPr lang="en-ID" dirty="0" err="1"/>
-              <a:t>untuk</a:t>
-            </a:r>
-            <a:r>
-              <a:rPr lang="en-ID" dirty="0"/>
-              <a:t> </a:t>
-            </a:r>
-            <a:r>
-              <a:rPr lang="en-ID" dirty="0" err="1"/>
-              <a:t>mengontrol</a:t>
-            </a:r>
-            <a:r>
-              <a:rPr lang="en-ID" dirty="0"/>
-              <a:t> </a:t>
-            </a:r>
-            <a:r>
-              <a:rPr lang="en-ID" dirty="0" err="1"/>
-              <a:t>reproduksi</a:t>
-            </a:r>
-            <a:r>
-              <a:rPr lang="en-ID" dirty="0"/>
-              <a:t> dan </a:t>
-            </a:r>
-            <a:r>
-              <a:rPr lang="en-ID" dirty="0" err="1"/>
-              <a:t>distribusi</a:t>
-            </a:r>
-            <a:r>
-              <a:rPr lang="en-ID" dirty="0"/>
-              <a:t> </a:t>
-            </a:r>
-            <a:r>
-              <a:rPr lang="en-ID" dirty="0" err="1"/>
-              <a:t>karya</a:t>
-            </a:r>
-            <a:r>
-              <a:rPr lang="en-ID" dirty="0"/>
-              <a:t> </a:t>
-            </a:r>
-            <a:r>
-              <a:rPr lang="en-ID" dirty="0" err="1"/>
-              <a:t>mereka</a:t>
-            </a:r>
-            <a:r>
-              <a:rPr lang="en-ID" dirty="0"/>
               <a:t>.</a:t>
             </a:r>
           </a:p>
           <a:p>
-            <a:pPr marL="0" indent="0">
-              <a:buNone/>
-            </a:pPr>
-            <a:r>
-              <a:rPr lang="en-ID" b="1" dirty="0"/>
-              <a:t>Hak </a:t>
-            </a:r>
-            <a:r>
-              <a:rPr lang="en-ID" b="1" dirty="0" err="1"/>
-              <a:t>Kekayaan</a:t>
-            </a:r>
-            <a:r>
-              <a:rPr lang="en-ID" b="1" dirty="0"/>
-              <a:t> </a:t>
-            </a:r>
-            <a:r>
-              <a:rPr lang="en-ID" b="1" dirty="0" err="1"/>
-              <a:t>Intelektual</a:t>
-            </a:r>
-            <a:r>
-              <a:rPr lang="en-ID" b="1" dirty="0"/>
-              <a:t> (Intellectual Property Rights)</a:t>
-            </a:r>
-            <a:r>
-              <a:rPr lang="en-ID" dirty="0"/>
-              <a:t>:</a:t>
-            </a:r>
-            <a:br>
-              <a:rPr lang="en-ID" dirty="0"/>
-            </a:br>
-            <a:r>
-              <a:rPr lang="en-ID" dirty="0" err="1"/>
-              <a:t>Meliputi</a:t>
-            </a:r>
-            <a:r>
-              <a:rPr lang="en-ID" dirty="0"/>
-              <a:t> </a:t>
-            </a:r>
-            <a:r>
-              <a:rPr lang="en-ID" dirty="0" err="1"/>
-              <a:t>hak</a:t>
-            </a:r>
-            <a:r>
-              <a:rPr lang="en-ID" dirty="0"/>
-              <a:t> </a:t>
-            </a:r>
-            <a:r>
-              <a:rPr lang="en-ID" dirty="0" err="1"/>
-              <a:t>cipta</a:t>
-            </a:r>
-            <a:r>
-              <a:rPr lang="en-ID" dirty="0"/>
-              <a:t>, paten, dan </a:t>
-            </a:r>
-            <a:r>
-              <a:rPr lang="en-ID" dirty="0" err="1"/>
-              <a:t>merek</a:t>
-            </a:r>
-            <a:r>
-              <a:rPr lang="en-ID" dirty="0"/>
-              <a:t> </a:t>
-            </a:r>
-            <a:r>
-              <a:rPr lang="en-ID" dirty="0" err="1"/>
-              <a:t>dagang</a:t>
-            </a:r>
-            <a:r>
-              <a:rPr lang="en-ID" dirty="0"/>
-              <a:t>. Hak </a:t>
-            </a:r>
-            <a:r>
-              <a:rPr lang="en-ID" dirty="0" err="1"/>
-              <a:t>kekayaan</a:t>
-            </a:r>
-            <a:r>
-              <a:rPr lang="en-ID" dirty="0"/>
-              <a:t> </a:t>
-            </a:r>
-            <a:r>
-              <a:rPr lang="en-ID" dirty="0" err="1"/>
-              <a:t>intelektual</a:t>
-            </a:r>
-            <a:r>
-              <a:rPr lang="en-ID" dirty="0"/>
-              <a:t> </a:t>
-            </a:r>
-            <a:r>
-              <a:rPr lang="en-ID" dirty="0" err="1"/>
-              <a:t>membantu</a:t>
-            </a:r>
-            <a:r>
-              <a:rPr lang="en-ID" dirty="0"/>
-              <a:t> </a:t>
-            </a:r>
-            <a:r>
-              <a:rPr lang="en-ID" dirty="0" err="1"/>
-              <a:t>melindungi</a:t>
-            </a:r>
-            <a:r>
-              <a:rPr lang="en-ID" dirty="0"/>
-              <a:t> </a:t>
-            </a:r>
-            <a:r>
-              <a:rPr lang="en-ID" dirty="0" err="1"/>
-              <a:t>inovasi</a:t>
-            </a:r>
-            <a:r>
-              <a:rPr lang="en-ID" dirty="0"/>
-              <a:t> dan </a:t>
-            </a:r>
-            <a:r>
-              <a:rPr lang="en-ID" dirty="0" err="1"/>
-              <a:t>menciptakan</a:t>
-            </a:r>
-            <a:r>
-              <a:rPr lang="en-ID" dirty="0"/>
-              <a:t> </a:t>
-            </a:r>
-            <a:r>
-              <a:rPr lang="en-ID" dirty="0" err="1"/>
-              <a:t>insentif</a:t>
-            </a:r>
-            <a:r>
-              <a:rPr lang="en-ID" dirty="0"/>
-              <a:t> </a:t>
-            </a:r>
-            <a:r>
-              <a:rPr lang="en-ID" dirty="0" err="1"/>
-              <a:t>bagi</a:t>
-            </a:r>
-            <a:r>
-              <a:rPr lang="en-ID" dirty="0"/>
-              <a:t> </a:t>
-            </a:r>
-            <a:r>
-              <a:rPr lang="en-ID" dirty="0" err="1"/>
-              <a:t>pencipta</a:t>
-            </a:r>
-            <a:r>
-              <a:rPr lang="en-ID" dirty="0"/>
-              <a:t> </a:t>
-            </a:r>
-            <a:r>
-              <a:rPr lang="en-ID" dirty="0" err="1"/>
-              <a:t>untuk</a:t>
-            </a:r>
-            <a:r>
-              <a:rPr lang="en-ID" dirty="0"/>
-              <a:t> </a:t>
-            </a:r>
-            <a:r>
-              <a:rPr lang="en-ID" dirty="0" err="1"/>
-              <a:t>terus</a:t>
-            </a:r>
-            <a:r>
-              <a:rPr lang="en-ID" dirty="0"/>
-              <a:t> </a:t>
-            </a:r>
-            <a:r>
-              <a:rPr lang="en-ID" dirty="0" err="1"/>
-              <a:t>berinovasi</a:t>
+            <a:pPr lvl="1"/>
+            <a:r>
+              <a:rPr lang="en-ID" dirty="0" err="1"/>
+              <a:t>Melaporkan</a:t>
+            </a:r>
+            <a:r>
+              <a:rPr lang="en-ID" dirty="0"/>
+              <a:t> </a:t>
+            </a:r>
+            <a:r>
+              <a:rPr lang="en-ID" dirty="0" err="1"/>
+              <a:t>tindakan</a:t>
+            </a:r>
+            <a:r>
+              <a:rPr lang="en-ID" dirty="0"/>
+              <a:t> yang </a:t>
+            </a:r>
+            <a:r>
+              <a:rPr lang="en-ID" dirty="0" err="1"/>
+              <a:t>melanggar</a:t>
+            </a:r>
+            <a:r>
+              <a:rPr lang="en-ID" dirty="0"/>
+              <a:t> </a:t>
+            </a:r>
+            <a:r>
+              <a:rPr lang="en-ID" dirty="0" err="1"/>
+              <a:t>kebijakan</a:t>
             </a:r>
             <a:r>
               <a:rPr lang="en-ID" dirty="0"/>
@@ -4806,372 +6504,6 @@
             </a:r>
           </a:p>
           <a:p>
-            <a:pPr marL="0" indent="0">
-              <a:buNone/>
-            </a:pPr>
-            <a:r>
-              <a:rPr lang="en-ID" b="1" dirty="0"/>
-              <a:t>Paten</a:t>
-            </a:r>
-            <a:r>
-              <a:rPr lang="en-ID" dirty="0"/>
-              <a:t>:</a:t>
-            </a:r>
-            <a:br>
-              <a:rPr lang="en-ID" dirty="0"/>
-            </a:br>
-            <a:r>
-              <a:rPr lang="en-ID" dirty="0" err="1"/>
-              <a:t>Memberikan</a:t>
-            </a:r>
-            <a:r>
-              <a:rPr lang="en-ID" dirty="0"/>
-              <a:t> </a:t>
-            </a:r>
-            <a:r>
-              <a:rPr lang="en-ID" dirty="0" err="1"/>
-              <a:t>hak</a:t>
-            </a:r>
-            <a:r>
-              <a:rPr lang="en-ID" dirty="0"/>
-              <a:t> </a:t>
-            </a:r>
-            <a:r>
-              <a:rPr lang="en-ID" dirty="0" err="1"/>
-              <a:t>eksklusif</a:t>
-            </a:r>
-            <a:r>
-              <a:rPr lang="en-ID" dirty="0"/>
-              <a:t> </a:t>
-            </a:r>
-            <a:r>
-              <a:rPr lang="en-ID" dirty="0" err="1"/>
-              <a:t>kepada</a:t>
-            </a:r>
-            <a:r>
-              <a:rPr lang="en-ID" dirty="0"/>
-              <a:t> </a:t>
-            </a:r>
-            <a:r>
-              <a:rPr lang="en-ID" dirty="0" err="1"/>
-              <a:t>penemu</a:t>
-            </a:r>
-            <a:r>
-              <a:rPr lang="en-ID" dirty="0"/>
-              <a:t> </a:t>
-            </a:r>
-            <a:r>
-              <a:rPr lang="en-ID" dirty="0" err="1"/>
-              <a:t>untuk</a:t>
-            </a:r>
-            <a:r>
-              <a:rPr lang="en-ID" dirty="0"/>
-              <a:t> </a:t>
-            </a:r>
-            <a:r>
-              <a:rPr lang="en-ID" dirty="0" err="1"/>
-              <a:t>memproduksi</a:t>
-            </a:r>
-            <a:r>
-              <a:rPr lang="en-ID" dirty="0"/>
-              <a:t>, </a:t>
-            </a:r>
-            <a:r>
-              <a:rPr lang="en-ID" dirty="0" err="1"/>
-              <a:t>menggunakan</a:t>
-            </a:r>
-            <a:r>
-              <a:rPr lang="en-ID" dirty="0"/>
-              <a:t>, dan </a:t>
-            </a:r>
-            <a:r>
-              <a:rPr lang="en-ID" dirty="0" err="1"/>
-              <a:t>menjual</a:t>
-            </a:r>
-            <a:r>
-              <a:rPr lang="en-ID" dirty="0"/>
-              <a:t> </a:t>
-            </a:r>
-            <a:r>
-              <a:rPr lang="en-ID" dirty="0" err="1"/>
-              <a:t>penemuan</a:t>
-            </a:r>
-            <a:r>
-              <a:rPr lang="en-ID" dirty="0"/>
-              <a:t> </a:t>
-            </a:r>
-            <a:r>
-              <a:rPr lang="en-ID" dirty="0" err="1"/>
-              <a:t>mereka</a:t>
-            </a:r>
-            <a:r>
-              <a:rPr lang="en-ID" dirty="0"/>
-              <a:t> </a:t>
-            </a:r>
-            <a:r>
-              <a:rPr lang="en-ID" dirty="0" err="1"/>
-              <a:t>untuk</a:t>
-            </a:r>
-            <a:r>
-              <a:rPr lang="en-ID" dirty="0"/>
-              <a:t> </a:t>
-            </a:r>
-            <a:r>
-              <a:rPr lang="en-ID" dirty="0" err="1"/>
-              <a:t>jangka</a:t>
-            </a:r>
-            <a:r>
-              <a:rPr lang="en-ID" dirty="0"/>
-              <a:t> </a:t>
-            </a:r>
-            <a:r>
-              <a:rPr lang="en-ID" dirty="0" err="1"/>
-              <a:t>waktu</a:t>
-            </a:r>
-            <a:r>
-              <a:rPr lang="en-ID" dirty="0"/>
-              <a:t> </a:t>
-            </a:r>
-            <a:r>
-              <a:rPr lang="en-ID" dirty="0" err="1"/>
-              <a:t>tertentu</a:t>
-            </a:r>
-            <a:r>
-              <a:rPr lang="en-ID" dirty="0"/>
-              <a:t>. Paten </a:t>
-            </a:r>
-            <a:r>
-              <a:rPr lang="en-ID" dirty="0" err="1"/>
-              <a:t>biasanya</a:t>
-            </a:r>
-            <a:r>
-              <a:rPr lang="en-ID" dirty="0"/>
-              <a:t> </a:t>
-            </a:r>
-            <a:r>
-              <a:rPr lang="en-ID" dirty="0" err="1"/>
-              <a:t>diterapkan</a:t>
-            </a:r>
-            <a:r>
-              <a:rPr lang="en-ID" dirty="0"/>
-              <a:t> pada </a:t>
-            </a:r>
-            <a:r>
-              <a:rPr lang="en-ID" dirty="0" err="1"/>
-              <a:t>inovasi</a:t>
-            </a:r>
-            <a:r>
-              <a:rPr lang="en-ID" dirty="0"/>
-              <a:t> </a:t>
-            </a:r>
-            <a:r>
-              <a:rPr lang="en-ID" dirty="0" err="1"/>
-              <a:t>teknis</a:t>
-            </a:r>
-            <a:r>
-              <a:rPr lang="en-ID" dirty="0"/>
-              <a:t> </a:t>
-            </a:r>
-            <a:r>
-              <a:rPr lang="en-ID" dirty="0" err="1"/>
-              <a:t>atau</a:t>
-            </a:r>
-            <a:r>
-              <a:rPr lang="en-ID" dirty="0"/>
-              <a:t> </a:t>
-            </a:r>
-            <a:r>
-              <a:rPr lang="en-ID" dirty="0" err="1"/>
-              <a:t>produk</a:t>
-            </a:r>
-            <a:r>
-              <a:rPr lang="en-ID" dirty="0"/>
-              <a:t> </a:t>
-            </a:r>
-            <a:r>
-              <a:rPr lang="en-ID" dirty="0" err="1"/>
-              <a:t>baru</a:t>
-            </a:r>
-            <a:r>
-              <a:rPr lang="en-ID" dirty="0"/>
-              <a:t>.</a:t>
-            </a:r>
-          </a:p>
-          <a:p>
-            <a:pPr marL="0" indent="0">
-              <a:buNone/>
-            </a:pPr>
-            <a:r>
-              <a:rPr lang="en-ID" b="1" dirty="0" err="1"/>
-              <a:t>Isu</a:t>
-            </a:r>
-            <a:r>
-              <a:rPr lang="en-ID" b="1" dirty="0"/>
-              <a:t> </a:t>
-            </a:r>
-            <a:r>
-              <a:rPr lang="en-ID" b="1" dirty="0" err="1"/>
-              <a:t>Pelanggaran</a:t>
-            </a:r>
-            <a:r>
-              <a:rPr lang="en-ID" b="1" dirty="0"/>
-              <a:t> Hak </a:t>
-            </a:r>
-            <a:r>
-              <a:rPr lang="en-ID" b="1" dirty="0" err="1"/>
-              <a:t>Kekayaan</a:t>
-            </a:r>
-            <a:r>
-              <a:rPr lang="en-ID" b="1" dirty="0"/>
-              <a:t> </a:t>
-            </a:r>
-            <a:r>
-              <a:rPr lang="en-ID" b="1" dirty="0" err="1"/>
-              <a:t>Intelektual</a:t>
-            </a:r>
-            <a:r>
-              <a:rPr lang="en-ID" dirty="0"/>
-              <a:t>:</a:t>
-            </a:r>
-            <a:br>
-              <a:rPr lang="en-ID" dirty="0"/>
-            </a:br>
-            <a:r>
-              <a:rPr lang="en-ID" dirty="0" err="1"/>
-              <a:t>Diskusikan</a:t>
-            </a:r>
-            <a:r>
-              <a:rPr lang="en-ID" dirty="0"/>
-              <a:t> </a:t>
-            </a:r>
-            <a:r>
-              <a:rPr lang="en-ID" dirty="0" err="1"/>
-              <a:t>dampak</a:t>
-            </a:r>
-            <a:r>
-              <a:rPr lang="en-ID" dirty="0"/>
-              <a:t> </a:t>
-            </a:r>
-            <a:r>
-              <a:rPr lang="en-ID" dirty="0" err="1"/>
-              <a:t>dari</a:t>
-            </a:r>
-            <a:r>
-              <a:rPr lang="en-ID" dirty="0"/>
-              <a:t> </a:t>
-            </a:r>
-            <a:r>
-              <a:rPr lang="en-ID" dirty="0" err="1"/>
-              <a:t>pelanggaran</a:t>
-            </a:r>
-            <a:r>
-              <a:rPr lang="en-ID" dirty="0"/>
-              <a:t> </a:t>
-            </a:r>
-            <a:r>
-              <a:rPr lang="en-ID" dirty="0" err="1"/>
-              <a:t>hak</a:t>
-            </a:r>
-            <a:r>
-              <a:rPr lang="en-ID" dirty="0"/>
-              <a:t> </a:t>
-            </a:r>
-            <a:r>
-              <a:rPr lang="en-ID" dirty="0" err="1"/>
-              <a:t>cipta</a:t>
-            </a:r>
-            <a:r>
-              <a:rPr lang="en-ID" dirty="0"/>
-              <a:t> dan </a:t>
-            </a:r>
-            <a:r>
-              <a:rPr lang="en-ID" dirty="0" err="1"/>
-              <a:t>kekayaan</a:t>
-            </a:r>
-            <a:r>
-              <a:rPr lang="en-ID" dirty="0"/>
-              <a:t> </a:t>
-            </a:r>
-            <a:r>
-              <a:rPr lang="en-ID" dirty="0" err="1"/>
-              <a:t>intelektual</a:t>
-            </a:r>
-            <a:r>
-              <a:rPr lang="en-ID" dirty="0"/>
-              <a:t>, </a:t>
-            </a:r>
-            <a:r>
-              <a:rPr lang="en-ID" dirty="0" err="1"/>
-              <a:t>seperti</a:t>
-            </a:r>
-            <a:r>
-              <a:rPr lang="en-ID" dirty="0"/>
-              <a:t> </a:t>
-            </a:r>
-            <a:r>
-              <a:rPr lang="en-ID" dirty="0" err="1"/>
-              <a:t>pembajakan</a:t>
-            </a:r>
-            <a:r>
-              <a:rPr lang="en-ID" dirty="0"/>
-              <a:t> </a:t>
-            </a:r>
-            <a:r>
-              <a:rPr lang="en-ID" dirty="0" err="1"/>
-              <a:t>perangkat</a:t>
-            </a:r>
-            <a:r>
-              <a:rPr lang="en-ID" dirty="0"/>
-              <a:t> </a:t>
-            </a:r>
-            <a:r>
-              <a:rPr lang="en-ID" dirty="0" err="1"/>
-              <a:t>lunak</a:t>
-            </a:r>
-            <a:r>
-              <a:rPr lang="en-ID" dirty="0"/>
-              <a:t>, dan </a:t>
-            </a:r>
-            <a:r>
-              <a:rPr lang="en-ID" dirty="0" err="1"/>
-              <a:t>upaya</a:t>
-            </a:r>
-            <a:r>
-              <a:rPr lang="en-ID" dirty="0"/>
-              <a:t> </a:t>
-            </a:r>
-            <a:r>
-              <a:rPr lang="en-ID" dirty="0" err="1"/>
-              <a:t>untuk</a:t>
-            </a:r>
-            <a:r>
-              <a:rPr lang="en-ID" dirty="0"/>
-              <a:t> </a:t>
-            </a:r>
-            <a:r>
-              <a:rPr lang="en-ID" dirty="0" err="1"/>
-              <a:t>melindungi</a:t>
-            </a:r>
-            <a:r>
-              <a:rPr lang="en-ID" dirty="0"/>
-              <a:t> </a:t>
-            </a:r>
-            <a:r>
-              <a:rPr lang="en-ID" dirty="0" err="1"/>
-              <a:t>karya</a:t>
-            </a:r>
-            <a:r>
-              <a:rPr lang="en-ID" dirty="0"/>
-              <a:t> </a:t>
-            </a:r>
-            <a:r>
-              <a:rPr lang="en-ID" dirty="0" err="1"/>
-              <a:t>orisinal</a:t>
-            </a:r>
-            <a:r>
-              <a:rPr lang="en-ID" dirty="0"/>
-              <a:t> di era digital.</a:t>
-            </a:r>
             <a:endParaRPr lang="en-US" dirty="0"/>
           </a:p>
         </p:txBody>
@@ -5179,7 +6511,7 @@
     </p:spTree>
     <p:extLst>
       <p:ext uri="{BB962C8B-B14F-4D97-AF65-F5344CB8AC3E}">
-        <p14:creationId xmlns:p14="http://schemas.microsoft.com/office/powerpoint/2010/main" val="967181424"/>
+        <p14:creationId xmlns:p14="http://schemas.microsoft.com/office/powerpoint/2010/main" val="1814938935"/>
       </p:ext>
     </p:extLst>
   </p:cSld>
@@ -5190,6 +6522,502 @@
 </file>
 
 <file path=ppt/slides/slide5.xml><?xml version="1.0" encoding="utf-8"?>
+<p:sld xmlns:a="http://schemas.openxmlformats.org/drawingml/2006/main" xmlns:r="http://schemas.openxmlformats.org/officeDocument/2006/relationships" xmlns:p="http://schemas.openxmlformats.org/presentationml/2006/main">
+  <p:cSld>
+    <p:spTree>
+      <p:nvGrpSpPr>
+        <p:cNvPr id="1" name=""/>
+        <p:cNvGrpSpPr/>
+        <p:nvPr/>
+      </p:nvGrpSpPr>
+      <p:grpSpPr>
+        <a:xfrm>
+          <a:off x="0" y="0"/>
+          <a:ext cx="0" cy="0"/>
+          <a:chOff x="0" y="0"/>
+          <a:chExt cx="0" cy="0"/>
+        </a:xfrm>
+      </p:grpSpPr>
+      <p:sp>
+        <p:nvSpPr>
+          <p:cNvPr id="2" name="Title 1">
+            <a:extLst>
+              <a:ext uri="{FF2B5EF4-FFF2-40B4-BE49-F238E27FC236}">
+                <a16:creationId xmlns:a16="http://schemas.microsoft.com/office/drawing/2014/main" id="{AE099150-F15F-BDF0-EEC1-776207952F3C}"/>
+              </a:ext>
+            </a:extLst>
+          </p:cNvPr>
+          <p:cNvSpPr>
+            <a:spLocks noGrp="1"/>
+          </p:cNvSpPr>
+          <p:nvPr>
+            <p:ph type="title"/>
+          </p:nvPr>
+        </p:nvSpPr>
+        <p:spPr/>
+        <p:txBody>
+          <a:bodyPr/>
+          <a:lstStyle/>
+          <a:p>
+            <a:r>
+              <a:rPr lang="en-ID" b="1" dirty="0" err="1"/>
+              <a:t>Prinsip-Prinsip</a:t>
+            </a:r>
+            <a:r>
+              <a:rPr lang="en-ID" b="1" dirty="0"/>
+              <a:t> Etika TI (</a:t>
+            </a:r>
+            <a:r>
+              <a:rPr lang="en-ID" b="1" dirty="0" err="1"/>
+              <a:t>Lanjutan</a:t>
+            </a:r>
+            <a:r>
+              <a:rPr lang="en-ID" b="1" dirty="0"/>
+              <a:t>)</a:t>
+            </a:r>
+            <a:endParaRPr lang="en-US" dirty="0"/>
+          </a:p>
+        </p:txBody>
+      </p:sp>
+      <p:sp>
+        <p:nvSpPr>
+          <p:cNvPr id="3" name="Content Placeholder 2">
+            <a:extLst>
+              <a:ext uri="{FF2B5EF4-FFF2-40B4-BE49-F238E27FC236}">
+                <a16:creationId xmlns:a16="http://schemas.microsoft.com/office/drawing/2014/main" id="{0C4DE939-D85F-02D5-30DC-8C47A35D2A21}"/>
+              </a:ext>
+            </a:extLst>
+          </p:cNvPr>
+          <p:cNvSpPr>
+            <a:spLocks noGrp="1"/>
+          </p:cNvSpPr>
+          <p:nvPr>
+            <p:ph idx="1"/>
+          </p:nvPr>
+        </p:nvSpPr>
+        <p:spPr/>
+        <p:txBody>
+          <a:bodyPr>
+            <a:normAutofit/>
+          </a:bodyPr>
+          <a:lstStyle/>
+          <a:p>
+            <a:pPr>
+              <a:buFont typeface="Arial" panose="020B0604020202020204" pitchFamily="34" charset="0"/>
+              <a:buChar char="•"/>
+            </a:pPr>
+            <a:r>
+              <a:rPr lang="en-ID" b="1" dirty="0" err="1"/>
+              <a:t>Keadilan</a:t>
+            </a:r>
+            <a:r>
+              <a:rPr lang="en-ID" b="1" dirty="0"/>
+              <a:t>:</a:t>
+            </a:r>
+            <a:r>
+              <a:rPr lang="en-ID" dirty="0"/>
+              <a:t> </a:t>
+            </a:r>
+          </a:p>
+          <a:p>
+            <a:pPr marL="742950" lvl="1" indent="-285750">
+              <a:buFont typeface="Arial" panose="020B0604020202020204" pitchFamily="34" charset="0"/>
+              <a:buChar char="•"/>
+            </a:pPr>
+            <a:r>
+              <a:rPr lang="en-ID" dirty="0" err="1"/>
+              <a:t>Menjamin</a:t>
+            </a:r>
+            <a:r>
+              <a:rPr lang="en-ID" dirty="0"/>
+              <a:t> </a:t>
+            </a:r>
+            <a:r>
+              <a:rPr lang="en-ID" dirty="0" err="1"/>
+              <a:t>akses</a:t>
+            </a:r>
+            <a:r>
+              <a:rPr lang="en-ID" dirty="0"/>
+              <a:t> yang </a:t>
+            </a:r>
+            <a:r>
+              <a:rPr lang="en-ID" dirty="0" err="1"/>
+              <a:t>adil</a:t>
+            </a:r>
+            <a:r>
+              <a:rPr lang="en-ID" dirty="0"/>
+              <a:t> </a:t>
+            </a:r>
+            <a:r>
+              <a:rPr lang="en-ID" dirty="0" err="1"/>
+              <a:t>terhadap</a:t>
+            </a:r>
+            <a:r>
+              <a:rPr lang="en-ID" dirty="0"/>
+              <a:t> </a:t>
+            </a:r>
+            <a:r>
+              <a:rPr lang="en-ID" dirty="0" err="1"/>
+              <a:t>teknologi</a:t>
+            </a:r>
+            <a:r>
+              <a:rPr lang="en-ID" dirty="0"/>
+              <a:t> </a:t>
+            </a:r>
+            <a:r>
+              <a:rPr lang="en-ID" dirty="0" err="1"/>
+              <a:t>bagi</a:t>
+            </a:r>
+            <a:r>
+              <a:rPr lang="en-ID" dirty="0"/>
+              <a:t> </a:t>
+            </a:r>
+            <a:r>
+              <a:rPr lang="en-ID" dirty="0" err="1"/>
+              <a:t>semua</a:t>
+            </a:r>
+            <a:r>
+              <a:rPr lang="en-ID" dirty="0"/>
+              <a:t> orang.</a:t>
+            </a:r>
+          </a:p>
+          <a:p>
+            <a:pPr marL="742950" lvl="1" indent="-285750">
+              <a:buFont typeface="Arial" panose="020B0604020202020204" pitchFamily="34" charset="0"/>
+              <a:buChar char="•"/>
+            </a:pPr>
+            <a:r>
+              <a:rPr lang="en-ID" dirty="0" err="1"/>
+              <a:t>Menghindari</a:t>
+            </a:r>
+            <a:r>
+              <a:rPr lang="en-ID" dirty="0"/>
+              <a:t> bias </a:t>
+            </a:r>
+            <a:r>
+              <a:rPr lang="en-ID" dirty="0" err="1"/>
+              <a:t>algoritmik</a:t>
+            </a:r>
+            <a:r>
+              <a:rPr lang="en-ID" dirty="0"/>
+              <a:t> yang </a:t>
+            </a:r>
+            <a:r>
+              <a:rPr lang="en-ID" dirty="0" err="1"/>
+              <a:t>merugikan</a:t>
+            </a:r>
+            <a:r>
+              <a:rPr lang="en-ID" dirty="0"/>
+              <a:t> </a:t>
+            </a:r>
+            <a:r>
+              <a:rPr lang="en-ID" dirty="0" err="1"/>
+              <a:t>kelompok</a:t>
+            </a:r>
+            <a:r>
+              <a:rPr lang="en-ID" dirty="0"/>
+              <a:t> </a:t>
+            </a:r>
+            <a:r>
+              <a:rPr lang="en-ID" dirty="0" err="1"/>
+              <a:t>tertentu</a:t>
+            </a:r>
+            <a:r>
+              <a:rPr lang="en-ID" dirty="0"/>
+              <a:t>.</a:t>
+            </a:r>
+          </a:p>
+          <a:p>
+            <a:pPr>
+              <a:buFont typeface="Arial" panose="020B0604020202020204" pitchFamily="34" charset="0"/>
+              <a:buChar char="•"/>
+            </a:pPr>
+            <a:r>
+              <a:rPr lang="en-ID" b="1" dirty="0" err="1"/>
+              <a:t>Akuntabilitas</a:t>
+            </a:r>
+            <a:r>
+              <a:rPr lang="en-ID" b="1" dirty="0"/>
+              <a:t>:</a:t>
+            </a:r>
+            <a:r>
+              <a:rPr lang="en-ID" dirty="0"/>
+              <a:t> </a:t>
+            </a:r>
+          </a:p>
+          <a:p>
+            <a:pPr marL="742950" lvl="1" indent="-285750">
+              <a:buFont typeface="Arial" panose="020B0604020202020204" pitchFamily="34" charset="0"/>
+              <a:buChar char="•"/>
+            </a:pPr>
+            <a:r>
+              <a:rPr lang="en-ID" dirty="0" err="1"/>
+              <a:t>Bertanggung</a:t>
+            </a:r>
+            <a:r>
+              <a:rPr lang="en-ID" dirty="0"/>
+              <a:t> </a:t>
+            </a:r>
+            <a:r>
+              <a:rPr lang="en-ID" dirty="0" err="1"/>
+              <a:t>jawab</a:t>
+            </a:r>
+            <a:r>
+              <a:rPr lang="en-ID" dirty="0"/>
+              <a:t> </a:t>
+            </a:r>
+            <a:r>
+              <a:rPr lang="en-ID" dirty="0" err="1"/>
+              <a:t>atas</a:t>
+            </a:r>
+            <a:r>
+              <a:rPr lang="en-ID" dirty="0"/>
+              <a:t> </a:t>
+            </a:r>
+            <a:r>
+              <a:rPr lang="en-ID" dirty="0" err="1"/>
+              <a:t>tindakan</a:t>
+            </a:r>
+            <a:r>
+              <a:rPr lang="en-ID" dirty="0"/>
+              <a:t> yang </a:t>
+            </a:r>
+            <a:r>
+              <a:rPr lang="en-ID" dirty="0" err="1"/>
+              <a:t>dilakukan</a:t>
+            </a:r>
+            <a:r>
+              <a:rPr lang="en-ID" dirty="0"/>
+              <a:t> di dunia digital.</a:t>
+            </a:r>
+          </a:p>
+          <a:p>
+            <a:pPr marL="742950" lvl="1" indent="-285750">
+              <a:buFont typeface="Arial" panose="020B0604020202020204" pitchFamily="34" charset="0"/>
+              <a:buChar char="•"/>
+            </a:pPr>
+            <a:r>
+              <a:rPr lang="en-ID" dirty="0"/>
+              <a:t>Mampu </a:t>
+            </a:r>
+            <a:r>
+              <a:rPr lang="en-ID" dirty="0" err="1"/>
+              <a:t>menjelaskan</a:t>
+            </a:r>
+            <a:r>
+              <a:rPr lang="en-ID" dirty="0"/>
+              <a:t> </a:t>
+            </a:r>
+            <a:r>
+              <a:rPr lang="en-ID" dirty="0" err="1"/>
+              <a:t>alasan</a:t>
+            </a:r>
+            <a:r>
+              <a:rPr lang="en-ID" dirty="0"/>
+              <a:t> di </a:t>
+            </a:r>
+            <a:r>
+              <a:rPr lang="en-ID" dirty="0" err="1"/>
+              <a:t>balik</a:t>
+            </a:r>
+            <a:r>
+              <a:rPr lang="en-ID" dirty="0"/>
+              <a:t> </a:t>
+            </a:r>
+            <a:r>
+              <a:rPr lang="en-ID" dirty="0" err="1"/>
+              <a:t>keputusan</a:t>
+            </a:r>
+            <a:r>
+              <a:rPr lang="en-ID" dirty="0"/>
+              <a:t> yang </a:t>
+            </a:r>
+            <a:r>
+              <a:rPr lang="en-ID" dirty="0" err="1"/>
+              <a:t>diambil</a:t>
+            </a:r>
+            <a:r>
+              <a:rPr lang="en-ID" dirty="0"/>
+              <a:t>.</a:t>
+            </a:r>
+          </a:p>
+          <a:p>
+            <a:pPr>
+              <a:buFont typeface="Arial" panose="020B0604020202020204" pitchFamily="34" charset="0"/>
+              <a:buChar char="•"/>
+            </a:pPr>
+            <a:r>
+              <a:rPr lang="en-ID" b="1" dirty="0" err="1"/>
+              <a:t>Transparansi</a:t>
+            </a:r>
+            <a:r>
+              <a:rPr lang="en-ID" b="1" dirty="0"/>
+              <a:t>:</a:t>
+            </a:r>
+            <a:r>
+              <a:rPr lang="en-ID" dirty="0"/>
+              <a:t> </a:t>
+            </a:r>
+          </a:p>
+          <a:p>
+            <a:pPr marL="742950" lvl="1" indent="-285750">
+              <a:buFont typeface="Arial" panose="020B0604020202020204" pitchFamily="34" charset="0"/>
+              <a:buChar char="•"/>
+            </a:pPr>
+            <a:r>
+              <a:rPr lang="en-ID" dirty="0" err="1"/>
+              <a:t>Membuka</a:t>
+            </a:r>
+            <a:r>
+              <a:rPr lang="en-ID" dirty="0"/>
+              <a:t> </a:t>
+            </a:r>
+            <a:r>
+              <a:rPr lang="en-ID" dirty="0" err="1"/>
+              <a:t>informasi</a:t>
+            </a:r>
+            <a:r>
+              <a:rPr lang="en-ID" dirty="0"/>
+              <a:t> </a:t>
+            </a:r>
+            <a:r>
+              <a:rPr lang="en-ID" dirty="0" err="1"/>
+              <a:t>tentang</a:t>
+            </a:r>
+            <a:r>
+              <a:rPr lang="en-ID" dirty="0"/>
+              <a:t> </a:t>
+            </a:r>
+            <a:r>
+              <a:rPr lang="en-ID" dirty="0" err="1"/>
+              <a:t>bagaimana</a:t>
+            </a:r>
+            <a:r>
+              <a:rPr lang="en-ID" dirty="0"/>
+              <a:t> </a:t>
+            </a:r>
+            <a:r>
+              <a:rPr lang="en-ID" dirty="0" err="1"/>
+              <a:t>teknologi</a:t>
+            </a:r>
+            <a:r>
+              <a:rPr lang="en-ID" dirty="0"/>
+              <a:t> </a:t>
+            </a:r>
+            <a:r>
+              <a:rPr lang="en-ID" dirty="0" err="1"/>
+              <a:t>bekerja</a:t>
+            </a:r>
+            <a:r>
+              <a:rPr lang="en-ID" dirty="0"/>
+              <a:t> dan </a:t>
+            </a:r>
+            <a:r>
+              <a:rPr lang="en-ID" dirty="0" err="1"/>
+              <a:t>digunakan</a:t>
+            </a:r>
+            <a:r>
+              <a:rPr lang="en-ID" dirty="0"/>
+              <a:t>.</a:t>
+            </a:r>
+          </a:p>
+          <a:p>
+            <a:pPr marL="742950" lvl="1" indent="-285750">
+              <a:buFont typeface="Arial" panose="020B0604020202020204" pitchFamily="34" charset="0"/>
+              <a:buChar char="•"/>
+            </a:pPr>
+            <a:r>
+              <a:rPr lang="en-ID" dirty="0" err="1"/>
+              <a:t>Memberikan</a:t>
+            </a:r>
+            <a:r>
+              <a:rPr lang="en-ID" dirty="0"/>
+              <a:t> </a:t>
+            </a:r>
+            <a:r>
+              <a:rPr lang="en-ID" dirty="0" err="1"/>
+              <a:t>kesempatan</a:t>
+            </a:r>
+            <a:r>
+              <a:rPr lang="en-ID" dirty="0"/>
+              <a:t> </a:t>
+            </a:r>
+            <a:r>
+              <a:rPr lang="en-ID" dirty="0" err="1"/>
+              <a:t>bagi</a:t>
+            </a:r>
+            <a:r>
+              <a:rPr lang="en-ID" dirty="0"/>
+              <a:t> </a:t>
+            </a:r>
+            <a:r>
+              <a:rPr lang="en-ID" dirty="0" err="1"/>
+              <a:t>pengguna</a:t>
+            </a:r>
+            <a:r>
+              <a:rPr lang="en-ID" dirty="0"/>
+              <a:t> </a:t>
+            </a:r>
+            <a:r>
+              <a:rPr lang="en-ID" dirty="0" err="1"/>
+              <a:t>untuk</a:t>
+            </a:r>
+            <a:r>
+              <a:rPr lang="en-ID" dirty="0"/>
+              <a:t> </a:t>
+            </a:r>
+            <a:r>
+              <a:rPr lang="en-ID" dirty="0" err="1"/>
+              <a:t>memahami</a:t>
+            </a:r>
+            <a:r>
+              <a:rPr lang="en-ID" dirty="0"/>
+              <a:t> </a:t>
+            </a:r>
+            <a:r>
+              <a:rPr lang="en-ID" dirty="0" err="1"/>
+              <a:t>implikasi</a:t>
+            </a:r>
+            <a:r>
+              <a:rPr lang="en-ID" dirty="0"/>
+              <a:t> </a:t>
+            </a:r>
+            <a:r>
+              <a:rPr lang="en-ID" dirty="0" err="1"/>
+              <a:t>penggunaan</a:t>
+            </a:r>
+            <a:r>
+              <a:rPr lang="en-ID" dirty="0"/>
+              <a:t> </a:t>
+            </a:r>
+            <a:r>
+              <a:rPr lang="en-ID" dirty="0" err="1"/>
+              <a:t>teknologi</a:t>
+            </a:r>
+            <a:r>
+              <a:rPr lang="en-ID" dirty="0"/>
+              <a:t>.</a:t>
+            </a:r>
+          </a:p>
+          <a:p>
+            <a:endParaRPr lang="en-US" dirty="0"/>
+          </a:p>
+        </p:txBody>
+      </p:sp>
+    </p:spTree>
+    <p:extLst>
+      <p:ext uri="{BB962C8B-B14F-4D97-AF65-F5344CB8AC3E}">
+        <p14:creationId xmlns:p14="http://schemas.microsoft.com/office/powerpoint/2010/main" val="3992196336"/>
+      </p:ext>
+    </p:extLst>
+  </p:cSld>
+  <p:clrMapOvr>
+    <a:masterClrMapping/>
+  </p:clrMapOvr>
+</p:sld>
+</file>
+
+<file path=ppt/slides/slide6.xml><?xml version="1.0" encoding="utf-8"?>
 <p:sld xmlns:a="http://schemas.openxmlformats.org/drawingml/2006/main" xmlns:r="http://schemas.openxmlformats.org/officeDocument/2006/relationships" xmlns:p="http://schemas.openxmlformats.org/presentationml/2006/main">
   <p:cSld>
     <p:spTree>
@@ -5279,7 +7107,12 @@
             <p:ph idx="1"/>
           </p:nvPr>
         </p:nvSpPr>
-        <p:spPr/>
+        <p:spPr>
+          <a:xfrm>
+            <a:off x="985345" y="1836136"/>
+            <a:ext cx="10515600" cy="4351338"/>
+          </a:xfrm>
+        </p:spPr>
         <p:txBody>
           <a:bodyPr>
             <a:normAutofit fontScale="85000" lnSpcReduction="20000"/>
@@ -6004,7 +7837,7 @@
 </p:sld>
 </file>
 
-<file path=ppt/slides/slide6.xml><?xml version="1.0" encoding="utf-8"?>
+<file path=ppt/slides/slide7.xml><?xml version="1.0" encoding="utf-8"?>
 <p:sld xmlns:a="http://schemas.openxmlformats.org/drawingml/2006/main" xmlns:r="http://schemas.openxmlformats.org/officeDocument/2006/relationships" xmlns:p="http://schemas.openxmlformats.org/presentationml/2006/main">
   <p:cSld>
     <p:spTree>
@@ -6026,7 +7859,7 @@
           <p:cNvPr id="2" name="Title 1">
             <a:extLst>
               <a:ext uri="{FF2B5EF4-FFF2-40B4-BE49-F238E27FC236}">
-                <a16:creationId xmlns:a16="http://schemas.microsoft.com/office/drawing/2014/main" id="{21A82D60-C7FB-5564-1A37-CAA5225B30F0}"/>
+                <a16:creationId xmlns:a16="http://schemas.microsoft.com/office/drawing/2014/main" id="{698E23AC-9BD9-95C9-322E-3FA01C28FE93}"/>
               </a:ext>
             </a:extLst>
           </p:cNvPr>
@@ -6042,35 +7875,7 @@
           <a:bodyPr/>
           <a:lstStyle/>
           <a:p>
-            <a:r>
-              <a:rPr lang="en-ID" dirty="0" err="1"/>
-              <a:t>Teknologi</a:t>
-            </a:r>
-            <a:r>
-              <a:rPr lang="en-ID" dirty="0"/>
-              <a:t> </a:t>
-            </a:r>
-            <a:r>
-              <a:rPr lang="en-ID" dirty="0" err="1"/>
-              <a:t>Informasi</a:t>
-            </a:r>
-            <a:r>
-              <a:rPr lang="en-ID" dirty="0"/>
-              <a:t> dan </a:t>
-            </a:r>
-            <a:r>
-              <a:rPr lang="en-ID" dirty="0" err="1"/>
-              <a:t>Privasi</a:t>
-            </a:r>
-            <a:r>
-              <a:rPr lang="en-ID" dirty="0"/>
-              <a:t> </a:t>
-            </a:r>
-            <a:r>
-              <a:rPr lang="en-ID" dirty="0" err="1"/>
-              <a:t>Pengguna</a:t>
-            </a:r>
-            <a:endParaRPr lang="en-US" dirty="0"/>
+            <a:endParaRPr lang="en-US"/>
           </a:p>
         </p:txBody>
       </p:sp>
@@ -6079,7 +7884,7 @@
           <p:cNvPr id="3" name="Content Placeholder 2">
             <a:extLst>
               <a:ext uri="{FF2B5EF4-FFF2-40B4-BE49-F238E27FC236}">
-                <a16:creationId xmlns:a16="http://schemas.microsoft.com/office/drawing/2014/main" id="{2D6229E8-03B0-8238-A79A-014E5A666226}"/>
+                <a16:creationId xmlns:a16="http://schemas.microsoft.com/office/drawing/2014/main" id="{9BF338FC-503F-85FF-9C64-0A69509C4981}"/>
               </a:ext>
             </a:extLst>
           </p:cNvPr>
@@ -6092,9 +7897,7 @@
         </p:nvSpPr>
         <p:spPr/>
         <p:txBody>
-          <a:bodyPr>
-            <a:normAutofit fontScale="77500" lnSpcReduction="20000"/>
-          </a:bodyPr>
+          <a:bodyPr/>
           <a:lstStyle/>
           <a:p>
             <a:pPr marL="0" indent="0">
@@ -6102,58 +7905,159 @@
             </a:pPr>
             <a:r>
               <a:rPr lang="en-ID" b="1" dirty="0" err="1"/>
-              <a:t>Definisi</a:t>
+              <a:t>Dampak</a:t>
             </a:r>
             <a:r>
               <a:rPr lang="en-ID" b="1" dirty="0"/>
-              <a:t> </a:t>
-            </a:r>
+              <a:t> Sosial</a:t>
+            </a:r>
+          </a:p>
+          <a:p>
+            <a:pPr>
+              <a:buFont typeface="Arial" panose="020B0604020202020204" pitchFamily="34" charset="0"/>
+              <a:buChar char="•"/>
+            </a:pPr>
+            <a:r>
+              <a:rPr lang="en-ID" b="1" dirty="0" err="1"/>
+              <a:t>Kesenjangan</a:t>
+            </a:r>
+            <a:r>
+              <a:rPr lang="en-ID" b="1" dirty="0"/>
+              <a:t> Digital:</a:t>
+            </a:r>
+            <a:r>
+              <a:rPr lang="en-ID" dirty="0"/>
+              <a:t> </a:t>
+            </a:r>
+            <a:r>
+              <a:rPr lang="en-ID" dirty="0" err="1"/>
+              <a:t>Tidak</a:t>
+            </a:r>
+            <a:r>
+              <a:rPr lang="en-ID" dirty="0"/>
+              <a:t> </a:t>
+            </a:r>
+            <a:r>
+              <a:rPr lang="en-ID" dirty="0" err="1"/>
+              <a:t>semua</a:t>
+            </a:r>
+            <a:r>
+              <a:rPr lang="en-ID" dirty="0"/>
+              <a:t> orang </a:t>
+            </a:r>
+            <a:r>
+              <a:rPr lang="en-ID" dirty="0" err="1"/>
+              <a:t>memiliki</a:t>
+            </a:r>
+            <a:r>
+              <a:rPr lang="en-ID" dirty="0"/>
+              <a:t> </a:t>
+            </a:r>
+            <a:r>
+              <a:rPr lang="en-ID" dirty="0" err="1"/>
+              <a:t>akses</a:t>
+            </a:r>
+            <a:r>
+              <a:rPr lang="en-ID" dirty="0"/>
+              <a:t> yang </a:t>
+            </a:r>
+            <a:r>
+              <a:rPr lang="en-ID" dirty="0" err="1"/>
+              <a:t>sama</a:t>
+            </a:r>
+            <a:r>
+              <a:rPr lang="en-ID" dirty="0"/>
+              <a:t> </a:t>
+            </a:r>
+            <a:r>
+              <a:rPr lang="en-ID" dirty="0" err="1"/>
+              <a:t>terhadap</a:t>
+            </a:r>
+            <a:r>
+              <a:rPr lang="en-ID" dirty="0"/>
+              <a:t> </a:t>
+            </a:r>
+            <a:r>
+              <a:rPr lang="en-ID" dirty="0" err="1"/>
+              <a:t>teknologi</a:t>
+            </a:r>
+            <a:r>
+              <a:rPr lang="en-ID" dirty="0"/>
+              <a:t>. Hal </a:t>
+            </a:r>
+            <a:r>
+              <a:rPr lang="en-ID" dirty="0" err="1"/>
+              <a:t>ini</a:t>
+            </a:r>
+            <a:r>
+              <a:rPr lang="en-ID" dirty="0"/>
+              <a:t> </a:t>
+            </a:r>
+            <a:r>
+              <a:rPr lang="en-ID" dirty="0" err="1"/>
+              <a:t>dapat</a:t>
+            </a:r>
+            <a:r>
+              <a:rPr lang="en-ID" dirty="0"/>
+              <a:t> </a:t>
+            </a:r>
+            <a:r>
+              <a:rPr lang="en-ID" dirty="0" err="1"/>
+              <a:t>memperlebar</a:t>
+            </a:r>
+            <a:r>
+              <a:rPr lang="en-ID" dirty="0"/>
+              <a:t> </a:t>
+            </a:r>
+            <a:r>
+              <a:rPr lang="en-ID" dirty="0" err="1"/>
+              <a:t>kesenjangan</a:t>
+            </a:r>
+            <a:r>
+              <a:rPr lang="en-ID" dirty="0"/>
+              <a:t> </a:t>
+            </a:r>
+            <a:r>
+              <a:rPr lang="en-ID" dirty="0" err="1"/>
+              <a:t>sosial</a:t>
+            </a:r>
+            <a:r>
+              <a:rPr lang="en-ID" dirty="0"/>
+              <a:t> dan </a:t>
+            </a:r>
+            <a:r>
+              <a:rPr lang="en-ID" dirty="0" err="1"/>
+              <a:t>ekonomi</a:t>
+            </a:r>
+            <a:r>
+              <a:rPr lang="en-ID" dirty="0"/>
+              <a:t>.</a:t>
+            </a:r>
+          </a:p>
+          <a:p>
+            <a:pPr>
+              <a:buFont typeface="Arial" panose="020B0604020202020204" pitchFamily="34" charset="0"/>
+              <a:buChar char="•"/>
+            </a:pPr>
             <a:r>
               <a:rPr lang="en-ID" b="1" dirty="0" err="1"/>
               <a:t>Privasi</a:t>
             </a:r>
             <a:r>
-              <a:rPr lang="en-ID" dirty="0"/>
+              <a:rPr lang="en-ID" b="1" dirty="0"/>
               <a:t>:</a:t>
             </a:r>
-          </a:p>
-          <a:p>
-            <a:pPr lvl="1"/>
-            <a:r>
-              <a:rPr lang="en-ID" dirty="0"/>
-              <a:t>Hak </a:t>
-            </a:r>
-            <a:r>
-              <a:rPr lang="en-ID" dirty="0" err="1"/>
-              <a:t>individu</a:t>
-            </a:r>
-            <a:r>
-              <a:rPr lang="en-ID" dirty="0"/>
-              <a:t> </a:t>
-            </a:r>
-            <a:r>
-              <a:rPr lang="en-ID" dirty="0" err="1"/>
-              <a:t>untuk</a:t>
-            </a:r>
-            <a:r>
-              <a:rPr lang="en-ID" dirty="0"/>
-              <a:t> </a:t>
-            </a:r>
-            <a:r>
-              <a:rPr lang="en-ID" dirty="0" err="1"/>
-              <a:t>mengendalikan</a:t>
-            </a:r>
-            <a:r>
-              <a:rPr lang="en-ID" dirty="0"/>
-              <a:t> </a:t>
-            </a:r>
-            <a:r>
-              <a:rPr lang="en-ID" dirty="0" err="1"/>
-              <a:t>informasi</a:t>
-            </a:r>
-            <a:r>
-              <a:rPr lang="en-ID" dirty="0"/>
-              <a:t> </a:t>
+            <a:r>
+              <a:rPr lang="en-ID" dirty="0"/>
+              <a:t> </a:t>
+            </a:r>
+            <a:r>
+              <a:rPr lang="en-ID" dirty="0" err="1"/>
+              <a:t>Pengumpulan</a:t>
+            </a:r>
+            <a:r>
+              <a:rPr lang="en-ID" dirty="0"/>
+              <a:t> data </a:t>
             </a:r>
             <a:r>
               <a:rPr lang="en-ID" dirty="0" err="1"/>
@@ -6161,11 +8065,43 @@
             </a:r>
             <a:r>
               <a:rPr lang="en-ID" dirty="0"/>
-              <a:t> </a:t>
-            </a:r>
-            <a:r>
-              <a:rPr lang="en-ID" dirty="0" err="1"/>
-              <a:t>mereka</a:t>
+              <a:t> yang </a:t>
+            </a:r>
+            <a:r>
+              <a:rPr lang="en-ID" dirty="0" err="1"/>
+              <a:t>masif</a:t>
+            </a:r>
+            <a:r>
+              <a:rPr lang="en-ID" dirty="0"/>
+              <a:t> </a:t>
+            </a:r>
+            <a:r>
+              <a:rPr lang="en-ID" dirty="0" err="1"/>
+              <a:t>menimbulkan</a:t>
+            </a:r>
+            <a:r>
+              <a:rPr lang="en-ID" dirty="0"/>
+              <a:t> </a:t>
+            </a:r>
+            <a:r>
+              <a:rPr lang="en-ID" dirty="0" err="1"/>
+              <a:t>kekhawatiran</a:t>
+            </a:r>
+            <a:r>
+              <a:rPr lang="en-ID" dirty="0"/>
+              <a:t> </a:t>
+            </a:r>
+            <a:r>
+              <a:rPr lang="en-ID" dirty="0" err="1"/>
+              <a:t>tentang</a:t>
+            </a:r>
+            <a:r>
+              <a:rPr lang="en-ID" dirty="0"/>
+              <a:t> </a:t>
+            </a:r>
+            <a:r>
+              <a:rPr lang="en-ID" dirty="0" err="1"/>
+              <a:t>privasi</a:t>
             </a:r>
             <a:r>
               <a:rPr lang="en-ID" dirty="0"/>
@@ -6173,576 +8109,108 @@
             </a:r>
             <a:r>
               <a:rPr lang="en-ID" dirty="0" err="1"/>
-              <a:t>bagaimana</a:t>
-            </a:r>
-            <a:r>
-              <a:rPr lang="en-ID" dirty="0"/>
-              <a:t> </a:t>
-            </a:r>
-            <a:r>
-              <a:rPr lang="en-ID" dirty="0" err="1"/>
-              <a:t>informasi</a:t>
-            </a:r>
-            <a:r>
-              <a:rPr lang="en-ID" dirty="0"/>
-              <a:t> </a:t>
-            </a:r>
-            <a:r>
-              <a:rPr lang="en-ID" dirty="0" err="1"/>
-              <a:t>tersebut</a:t>
-            </a:r>
-            <a:r>
-              <a:rPr lang="en-ID" dirty="0"/>
-              <a:t> </a:t>
-            </a:r>
-            <a:r>
-              <a:rPr lang="en-ID" dirty="0" err="1"/>
-              <a:t>digunakan</a:t>
-            </a:r>
-            <a:r>
-              <a:rPr lang="en-ID" dirty="0"/>
-              <a:t> oleh </a:t>
-            </a:r>
-            <a:r>
-              <a:rPr lang="en-ID" dirty="0" err="1"/>
-              <a:t>pihak</a:t>
-            </a:r>
-            <a:r>
-              <a:rPr lang="en-ID" dirty="0"/>
-              <a:t> </a:t>
-            </a:r>
-            <a:r>
-              <a:rPr lang="en-ID" dirty="0" err="1"/>
-              <a:t>ketiga</a:t>
+              <a:t>keamanan</a:t>
+            </a:r>
+            <a:r>
+              <a:rPr lang="en-ID" dirty="0"/>
+              <a:t> data.</a:t>
+            </a:r>
+          </a:p>
+          <a:p>
+            <a:pPr>
+              <a:buFont typeface="Arial" panose="020B0604020202020204" pitchFamily="34" charset="0"/>
+              <a:buChar char="•"/>
+            </a:pPr>
+            <a:r>
+              <a:rPr lang="en-ID" b="1" dirty="0"/>
+              <a:t>Kesehatan Mental:</a:t>
+            </a:r>
+            <a:r>
+              <a:rPr lang="en-ID" dirty="0"/>
+              <a:t> </a:t>
+            </a:r>
+            <a:r>
+              <a:rPr lang="en-ID" dirty="0" err="1"/>
+              <a:t>Penggunaan</a:t>
+            </a:r>
+            <a:r>
+              <a:rPr lang="en-ID" dirty="0"/>
+              <a:t> </a:t>
+            </a:r>
+            <a:r>
+              <a:rPr lang="en-ID" dirty="0" err="1"/>
+              <a:t>teknologi</a:t>
+            </a:r>
+            <a:r>
+              <a:rPr lang="en-ID" dirty="0"/>
+              <a:t> yang </a:t>
+            </a:r>
+            <a:r>
+              <a:rPr lang="en-ID" dirty="0" err="1"/>
+              <a:t>berlebihan</a:t>
+            </a:r>
+            <a:r>
+              <a:rPr lang="en-ID" dirty="0"/>
+              <a:t> </a:t>
+            </a:r>
+            <a:r>
+              <a:rPr lang="en-ID" dirty="0" err="1"/>
+              <a:t>dapat</a:t>
+            </a:r>
+            <a:r>
+              <a:rPr lang="en-ID" dirty="0"/>
+              <a:t> </a:t>
+            </a:r>
+            <a:r>
+              <a:rPr lang="en-ID" dirty="0" err="1"/>
+              <a:t>berdampak</a:t>
+            </a:r>
+            <a:r>
+              <a:rPr lang="en-ID" dirty="0"/>
+              <a:t> </a:t>
+            </a:r>
+            <a:r>
+              <a:rPr lang="en-ID" dirty="0" err="1"/>
+              <a:t>negatif</a:t>
+            </a:r>
+            <a:r>
+              <a:rPr lang="en-ID" dirty="0"/>
+              <a:t> pada </a:t>
+            </a:r>
+            <a:r>
+              <a:rPr lang="en-ID" dirty="0" err="1"/>
+              <a:t>kesehatan</a:t>
+            </a:r>
+            <a:r>
+              <a:rPr lang="en-ID" dirty="0"/>
+              <a:t> mental, </a:t>
+            </a:r>
+            <a:r>
+              <a:rPr lang="en-ID" dirty="0" err="1"/>
+              <a:t>seperti</a:t>
+            </a:r>
+            <a:r>
+              <a:rPr lang="en-ID" dirty="0"/>
+              <a:t> </a:t>
+            </a:r>
+            <a:r>
+              <a:rPr lang="en-ID" dirty="0" err="1"/>
+              <a:t>depresi</a:t>
+            </a:r>
+            <a:r>
+              <a:rPr lang="en-ID" dirty="0"/>
+              <a:t> dan </a:t>
+            </a:r>
+            <a:r>
+              <a:rPr lang="en-ID" dirty="0" err="1"/>
+              <a:t>kecemasan</a:t>
             </a:r>
             <a:r>
               <a:rPr lang="en-ID" dirty="0"/>
               <a:t>.</a:t>
             </a:r>
-            <a:endParaRPr lang="en-ID" b="1" dirty="0"/>
-          </a:p>
-          <a:p>
-            <a:pPr marL="0" indent="0">
-              <a:buNone/>
-            </a:pPr>
-            <a:r>
-              <a:rPr lang="en-ID" b="1" dirty="0" err="1"/>
-              <a:t>Isu</a:t>
-            </a:r>
-            <a:r>
-              <a:rPr lang="en-ID" b="1" dirty="0"/>
-              <a:t> </a:t>
-            </a:r>
-            <a:r>
-              <a:rPr lang="en-ID" b="1" dirty="0" err="1"/>
-              <a:t>Privasi</a:t>
-            </a:r>
-            <a:r>
-              <a:rPr lang="en-ID" b="1" dirty="0"/>
-              <a:t> </a:t>
-            </a:r>
-            <a:r>
-              <a:rPr lang="en-ID" b="1" dirty="0" err="1"/>
-              <a:t>dalam</a:t>
-            </a:r>
-            <a:r>
-              <a:rPr lang="en-ID" b="1" dirty="0"/>
-              <a:t> TI</a:t>
-            </a:r>
-            <a:r>
-              <a:rPr lang="en-ID" dirty="0"/>
-              <a:t>:</a:t>
-            </a:r>
-          </a:p>
-          <a:p>
-            <a:pPr lvl="1"/>
-            <a:r>
-              <a:rPr lang="en-ID" b="1" dirty="0" err="1"/>
-              <a:t>Pengumpulan</a:t>
-            </a:r>
-            <a:r>
-              <a:rPr lang="en-ID" b="1" dirty="0"/>
-              <a:t> Data</a:t>
-            </a:r>
-            <a:r>
-              <a:rPr lang="en-ID" dirty="0"/>
-              <a:t>: Banyak </a:t>
-            </a:r>
-            <a:r>
-              <a:rPr lang="en-ID" dirty="0" err="1"/>
-              <a:t>aplikasi</a:t>
-            </a:r>
-            <a:r>
-              <a:rPr lang="en-ID" dirty="0"/>
-              <a:t> dan </a:t>
-            </a:r>
-            <a:r>
-              <a:rPr lang="en-ID" dirty="0" err="1"/>
-              <a:t>layanan</a:t>
-            </a:r>
-            <a:r>
-              <a:rPr lang="en-ID" dirty="0"/>
-              <a:t> </a:t>
-            </a:r>
-            <a:r>
-              <a:rPr lang="en-ID" dirty="0" err="1"/>
-              <a:t>mengumpulkan</a:t>
-            </a:r>
-            <a:r>
-              <a:rPr lang="en-ID" dirty="0"/>
-              <a:t> data </a:t>
-            </a:r>
-            <a:r>
-              <a:rPr lang="en-ID" dirty="0" err="1"/>
-              <a:t>pengguna</a:t>
-            </a:r>
-            <a:r>
-              <a:rPr lang="en-ID" dirty="0"/>
-              <a:t>, </a:t>
-            </a:r>
-            <a:r>
-              <a:rPr lang="en-ID" dirty="0" err="1"/>
-              <a:t>seringkali</a:t>
-            </a:r>
-            <a:r>
-              <a:rPr lang="en-ID" dirty="0"/>
-              <a:t> </a:t>
-            </a:r>
-            <a:r>
-              <a:rPr lang="en-ID" dirty="0" err="1"/>
-              <a:t>tanpa</a:t>
-            </a:r>
-            <a:r>
-              <a:rPr lang="en-ID" dirty="0"/>
-              <a:t> </a:t>
-            </a:r>
-            <a:r>
-              <a:rPr lang="en-ID" dirty="0" err="1"/>
-              <a:t>pemahaman</a:t>
-            </a:r>
-            <a:r>
-              <a:rPr lang="en-ID" dirty="0"/>
-              <a:t> yang </a:t>
-            </a:r>
-            <a:r>
-              <a:rPr lang="en-ID" dirty="0" err="1"/>
-              <a:t>jelas</a:t>
-            </a:r>
-            <a:r>
-              <a:rPr lang="en-ID" dirty="0"/>
-              <a:t> </a:t>
-            </a:r>
-            <a:r>
-              <a:rPr lang="en-ID" dirty="0" err="1"/>
-              <a:t>tentang</a:t>
-            </a:r>
-            <a:r>
-              <a:rPr lang="en-ID" dirty="0"/>
-              <a:t> </a:t>
-            </a:r>
-            <a:r>
-              <a:rPr lang="en-ID" dirty="0" err="1"/>
-              <a:t>bagaimana</a:t>
-            </a:r>
-            <a:r>
-              <a:rPr lang="en-ID" dirty="0"/>
-              <a:t> data </a:t>
-            </a:r>
-            <a:r>
-              <a:rPr lang="en-ID" dirty="0" err="1"/>
-              <a:t>tersebut</a:t>
-            </a:r>
-            <a:r>
-              <a:rPr lang="en-ID" dirty="0"/>
-              <a:t> </a:t>
-            </a:r>
-            <a:r>
-              <a:rPr lang="en-ID" dirty="0" err="1"/>
-              <a:t>akan</a:t>
-            </a:r>
-            <a:r>
-              <a:rPr lang="en-ID" dirty="0"/>
-              <a:t> </a:t>
-            </a:r>
-            <a:r>
-              <a:rPr lang="en-ID" dirty="0" err="1"/>
-              <a:t>digunakan</a:t>
-            </a:r>
-            <a:r>
-              <a:rPr lang="en-ID" dirty="0"/>
-              <a:t>.</a:t>
-            </a:r>
-          </a:p>
-          <a:p>
-            <a:pPr lvl="1"/>
-            <a:r>
-              <a:rPr lang="en-ID" b="1" dirty="0" err="1"/>
-              <a:t>Keamanan</a:t>
-            </a:r>
-            <a:r>
-              <a:rPr lang="en-ID" b="1" dirty="0"/>
-              <a:t> Data</a:t>
-            </a:r>
-            <a:r>
-              <a:rPr lang="en-ID" dirty="0"/>
-              <a:t>: </a:t>
-            </a:r>
-            <a:r>
-              <a:rPr lang="en-ID" dirty="0" err="1"/>
-              <a:t>Risiko</a:t>
-            </a:r>
-            <a:r>
-              <a:rPr lang="en-ID" dirty="0"/>
-              <a:t> </a:t>
-            </a:r>
-            <a:r>
-              <a:rPr lang="en-ID" dirty="0" err="1"/>
-              <a:t>kebocoran</a:t>
-            </a:r>
-            <a:r>
-              <a:rPr lang="en-ID" dirty="0"/>
-              <a:t> data dan </a:t>
-            </a:r>
-            <a:r>
-              <a:rPr lang="en-ID" dirty="0" err="1"/>
-              <a:t>serangan</a:t>
-            </a:r>
-            <a:r>
-              <a:rPr lang="en-ID" dirty="0"/>
-              <a:t> </a:t>
-            </a:r>
-            <a:r>
-              <a:rPr lang="en-ID" dirty="0" err="1"/>
-              <a:t>siber</a:t>
-            </a:r>
-            <a:r>
-              <a:rPr lang="en-ID" dirty="0"/>
-              <a:t> yang </a:t>
-            </a:r>
-            <a:r>
-              <a:rPr lang="en-ID" dirty="0" err="1"/>
-              <a:t>dapat</a:t>
-            </a:r>
-            <a:r>
-              <a:rPr lang="en-ID" dirty="0"/>
-              <a:t> </a:t>
-            </a:r>
-            <a:r>
-              <a:rPr lang="en-ID" dirty="0" err="1"/>
-              <a:t>mengancam</a:t>
-            </a:r>
-            <a:r>
-              <a:rPr lang="en-ID" dirty="0"/>
-              <a:t> </a:t>
-            </a:r>
-            <a:r>
-              <a:rPr lang="en-ID" dirty="0" err="1"/>
-              <a:t>privasi</a:t>
-            </a:r>
-            <a:r>
-              <a:rPr lang="en-ID" dirty="0"/>
-              <a:t> </a:t>
-            </a:r>
-            <a:r>
-              <a:rPr lang="en-ID" dirty="0" err="1"/>
-              <a:t>pengguna</a:t>
-            </a:r>
-            <a:r>
-              <a:rPr lang="en-ID" dirty="0"/>
-              <a:t>.</a:t>
-            </a:r>
-          </a:p>
-          <a:p>
-            <a:pPr marL="0" indent="0">
-              <a:buNone/>
-            </a:pPr>
-            <a:r>
-              <a:rPr lang="en-ID" b="1" dirty="0" err="1"/>
-              <a:t>Peraturan</a:t>
-            </a:r>
-            <a:r>
-              <a:rPr lang="en-ID" b="1" dirty="0"/>
-              <a:t> </a:t>
-            </a:r>
-            <a:r>
-              <a:rPr lang="en-ID" b="1" dirty="0" err="1"/>
-              <a:t>Perlindungan</a:t>
-            </a:r>
-            <a:r>
-              <a:rPr lang="en-ID" b="1" dirty="0"/>
-              <a:t> Data</a:t>
-            </a:r>
-            <a:r>
-              <a:rPr lang="en-ID" dirty="0"/>
-              <a:t>:</a:t>
-            </a:r>
-            <a:br>
-              <a:rPr lang="en-ID" dirty="0"/>
-            </a:br>
-            <a:r>
-              <a:rPr lang="en-ID" dirty="0" err="1"/>
-              <a:t>Diskusikan</a:t>
-            </a:r>
-            <a:r>
-              <a:rPr lang="en-ID" dirty="0"/>
-              <a:t> </a:t>
-            </a:r>
-            <a:r>
-              <a:rPr lang="en-ID" dirty="0" err="1"/>
-              <a:t>peraturan</a:t>
-            </a:r>
-            <a:r>
-              <a:rPr lang="en-ID" dirty="0"/>
-              <a:t> </a:t>
-            </a:r>
-            <a:r>
-              <a:rPr lang="en-ID" dirty="0" err="1"/>
-              <a:t>seperti</a:t>
-            </a:r>
-            <a:r>
-              <a:rPr lang="en-ID" dirty="0"/>
-              <a:t> GDPR (General Data Protection Regulation) dan </a:t>
-            </a:r>
-            <a:r>
-              <a:rPr lang="en-ID" dirty="0" err="1"/>
-              <a:t>undang-undang</a:t>
-            </a:r>
-            <a:r>
-              <a:rPr lang="en-ID" dirty="0"/>
-              <a:t> </a:t>
-            </a:r>
-            <a:r>
-              <a:rPr lang="en-ID" dirty="0" err="1"/>
-              <a:t>perlindungan</a:t>
-            </a:r>
-            <a:r>
-              <a:rPr lang="en-ID" dirty="0"/>
-              <a:t> data </a:t>
-            </a:r>
-            <a:r>
-              <a:rPr lang="en-ID" dirty="0" err="1"/>
-              <a:t>lainnya</a:t>
-            </a:r>
-            <a:r>
-              <a:rPr lang="en-ID" dirty="0"/>
-              <a:t> yang </a:t>
-            </a:r>
-            <a:r>
-              <a:rPr lang="en-ID" dirty="0" err="1"/>
-              <a:t>bertujuan</a:t>
-            </a:r>
-            <a:r>
-              <a:rPr lang="en-ID" dirty="0"/>
-              <a:t> </a:t>
-            </a:r>
-            <a:r>
-              <a:rPr lang="en-ID" dirty="0" err="1"/>
-              <a:t>untuk</a:t>
-            </a:r>
-            <a:r>
-              <a:rPr lang="en-ID" dirty="0"/>
-              <a:t> </a:t>
-            </a:r>
-            <a:r>
-              <a:rPr lang="en-ID" dirty="0" err="1"/>
-              <a:t>melindungi</a:t>
-            </a:r>
-            <a:r>
-              <a:rPr lang="en-ID" dirty="0"/>
-              <a:t> </a:t>
-            </a:r>
-            <a:r>
-              <a:rPr lang="en-ID" dirty="0" err="1"/>
-              <a:t>privasi</a:t>
-            </a:r>
-            <a:r>
-              <a:rPr lang="en-ID" dirty="0"/>
-              <a:t> </a:t>
-            </a:r>
-            <a:r>
-              <a:rPr lang="en-ID" dirty="0" err="1"/>
-              <a:t>pengguna</a:t>
-            </a:r>
-            <a:r>
-              <a:rPr lang="en-ID" dirty="0"/>
-              <a:t>.</a:t>
-            </a:r>
-          </a:p>
-          <a:p>
-            <a:pPr marL="0" indent="0">
-              <a:buNone/>
-            </a:pPr>
-            <a:r>
-              <a:rPr lang="en-ID" b="1" dirty="0" err="1"/>
-              <a:t>Tanggung</a:t>
-            </a:r>
-            <a:r>
-              <a:rPr lang="en-ID" b="1" dirty="0"/>
-              <a:t> Jawab </a:t>
-            </a:r>
-            <a:r>
-              <a:rPr lang="en-ID" b="1" dirty="0" err="1"/>
-              <a:t>Pengguna</a:t>
-            </a:r>
-            <a:r>
-              <a:rPr lang="en-ID" dirty="0"/>
-              <a:t>:</a:t>
-            </a:r>
-            <a:br>
-              <a:rPr lang="en-ID" dirty="0"/>
-            </a:br>
-            <a:r>
-              <a:rPr lang="en-ID" dirty="0" err="1"/>
-              <a:t>Memahami</a:t>
-            </a:r>
-            <a:r>
-              <a:rPr lang="en-ID" dirty="0"/>
-              <a:t> </a:t>
-            </a:r>
-            <a:r>
-              <a:rPr lang="en-ID" dirty="0" err="1"/>
-              <a:t>tanggung</a:t>
-            </a:r>
-            <a:r>
-              <a:rPr lang="en-ID" dirty="0"/>
-              <a:t> </a:t>
-            </a:r>
-            <a:r>
-              <a:rPr lang="en-ID" dirty="0" err="1"/>
-              <a:t>jawab</a:t>
-            </a:r>
-            <a:r>
-              <a:rPr lang="en-ID" dirty="0"/>
-              <a:t> </a:t>
-            </a:r>
-            <a:r>
-              <a:rPr lang="en-ID" dirty="0" err="1"/>
-              <a:t>pengguna</a:t>
-            </a:r>
-            <a:r>
-              <a:rPr lang="en-ID" dirty="0"/>
-              <a:t> </a:t>
-            </a:r>
-            <a:r>
-              <a:rPr lang="en-ID" dirty="0" err="1"/>
-              <a:t>dalam</a:t>
-            </a:r>
-            <a:r>
-              <a:rPr lang="en-ID" dirty="0"/>
-              <a:t> </a:t>
-            </a:r>
-            <a:r>
-              <a:rPr lang="en-ID" dirty="0" err="1"/>
-              <a:t>menjaga</a:t>
-            </a:r>
-            <a:r>
-              <a:rPr lang="en-ID" dirty="0"/>
-              <a:t> </a:t>
-            </a:r>
-            <a:r>
-              <a:rPr lang="en-ID" dirty="0" err="1"/>
-              <a:t>privasi</a:t>
-            </a:r>
-            <a:r>
-              <a:rPr lang="en-ID" dirty="0"/>
-              <a:t> </a:t>
-            </a:r>
-            <a:r>
-              <a:rPr lang="en-ID" dirty="0" err="1"/>
-              <a:t>mereka</a:t>
-            </a:r>
-            <a:r>
-              <a:rPr lang="en-ID" dirty="0"/>
-              <a:t>, </a:t>
-            </a:r>
-            <a:r>
-              <a:rPr lang="en-ID" dirty="0" err="1"/>
-              <a:t>seperti</a:t>
-            </a:r>
-            <a:r>
-              <a:rPr lang="en-ID" dirty="0"/>
-              <a:t> </a:t>
-            </a:r>
-            <a:r>
-              <a:rPr lang="en-ID" dirty="0" err="1"/>
-              <a:t>pengaturan</a:t>
-            </a:r>
-            <a:r>
-              <a:rPr lang="en-ID" dirty="0"/>
-              <a:t> </a:t>
-            </a:r>
-            <a:r>
-              <a:rPr lang="en-ID" dirty="0" err="1"/>
-              <a:t>privasi</a:t>
-            </a:r>
-            <a:r>
-              <a:rPr lang="en-ID" dirty="0"/>
-              <a:t> pada media </a:t>
-            </a:r>
-            <a:r>
-              <a:rPr lang="en-ID" dirty="0" err="1"/>
-              <a:t>sosial</a:t>
-            </a:r>
-            <a:r>
-              <a:rPr lang="en-ID" dirty="0"/>
-              <a:t> dan </a:t>
-            </a:r>
-            <a:r>
-              <a:rPr lang="en-ID" dirty="0" err="1"/>
-              <a:t>aplikasi</a:t>
-            </a:r>
-            <a:r>
-              <a:rPr lang="en-ID" dirty="0"/>
-              <a:t>, </a:t>
-            </a:r>
-            <a:r>
-              <a:rPr lang="en-ID" dirty="0" err="1"/>
-              <a:t>serta</a:t>
-            </a:r>
-            <a:r>
-              <a:rPr lang="en-ID" dirty="0"/>
-              <a:t> </a:t>
-            </a:r>
-            <a:r>
-              <a:rPr lang="en-ID" dirty="0" err="1"/>
-              <a:t>pentingnya</a:t>
-            </a:r>
-            <a:r>
-              <a:rPr lang="en-ID" dirty="0"/>
-              <a:t> </a:t>
-            </a:r>
-            <a:r>
-              <a:rPr lang="en-ID" dirty="0" err="1"/>
-              <a:t>kesadaran</a:t>
-            </a:r>
-            <a:r>
-              <a:rPr lang="en-ID" dirty="0"/>
-              <a:t> </a:t>
-            </a:r>
-            <a:r>
-              <a:rPr lang="en-ID" dirty="0" err="1"/>
-              <a:t>akan</a:t>
-            </a:r>
-            <a:r>
-              <a:rPr lang="en-ID" dirty="0"/>
-              <a:t> </a:t>
-            </a:r>
-            <a:r>
-              <a:rPr lang="en-ID" dirty="0" err="1"/>
-              <a:t>kebijakan</a:t>
-            </a:r>
-            <a:r>
-              <a:rPr lang="en-ID" dirty="0"/>
-              <a:t> </a:t>
-            </a:r>
-            <a:r>
-              <a:rPr lang="en-ID" dirty="0" err="1"/>
-              <a:t>privasi</a:t>
-            </a:r>
-            <a:r>
-              <a:rPr lang="en-ID" dirty="0"/>
-              <a:t>.</a:t>
-            </a:r>
+          </a:p>
+          <a:p>
             <a:endParaRPr lang="en-US" dirty="0"/>
           </a:p>
         </p:txBody>
@@ -6750,7 +8218,749 @@
     </p:spTree>
     <p:extLst>
       <p:ext uri="{BB962C8B-B14F-4D97-AF65-F5344CB8AC3E}">
-        <p14:creationId xmlns:p14="http://schemas.microsoft.com/office/powerpoint/2010/main" val="1163849338"/>
+        <p14:creationId xmlns:p14="http://schemas.microsoft.com/office/powerpoint/2010/main" val="2896793481"/>
+      </p:ext>
+    </p:extLst>
+  </p:cSld>
+  <p:clrMapOvr>
+    <a:masterClrMapping/>
+  </p:clrMapOvr>
+</p:sld>
+</file>
+
+<file path=ppt/slides/slide8.xml><?xml version="1.0" encoding="utf-8"?>
+<p:sld xmlns:a="http://schemas.openxmlformats.org/drawingml/2006/main" xmlns:r="http://schemas.openxmlformats.org/officeDocument/2006/relationships" xmlns:p="http://schemas.openxmlformats.org/presentationml/2006/main">
+  <p:cSld>
+    <p:spTree>
+      <p:nvGrpSpPr>
+        <p:cNvPr id="1" name=""/>
+        <p:cNvGrpSpPr/>
+        <p:nvPr/>
+      </p:nvGrpSpPr>
+      <p:grpSpPr>
+        <a:xfrm>
+          <a:off x="0" y="0"/>
+          <a:ext cx="0" cy="0"/>
+          <a:chOff x="0" y="0"/>
+          <a:chExt cx="0" cy="0"/>
+        </a:xfrm>
+      </p:grpSpPr>
+      <p:sp>
+        <p:nvSpPr>
+          <p:cNvPr id="2" name="Title 1">
+            <a:extLst>
+              <a:ext uri="{FF2B5EF4-FFF2-40B4-BE49-F238E27FC236}">
+                <a16:creationId xmlns:a16="http://schemas.microsoft.com/office/drawing/2014/main" id="{EBA82B1A-D7FA-7DD0-AE5B-E2737E5A46C5}"/>
+              </a:ext>
+            </a:extLst>
+          </p:cNvPr>
+          <p:cNvSpPr>
+            <a:spLocks noGrp="1"/>
+          </p:cNvSpPr>
+          <p:nvPr>
+            <p:ph type="title"/>
+          </p:nvPr>
+        </p:nvSpPr>
+        <p:spPr/>
+        <p:txBody>
+          <a:bodyPr/>
+          <a:lstStyle/>
+          <a:p>
+            <a:endParaRPr lang="en-US"/>
+          </a:p>
+        </p:txBody>
+      </p:sp>
+      <p:sp>
+        <p:nvSpPr>
+          <p:cNvPr id="3" name="Content Placeholder 2">
+            <a:extLst>
+              <a:ext uri="{FF2B5EF4-FFF2-40B4-BE49-F238E27FC236}">
+                <a16:creationId xmlns:a16="http://schemas.microsoft.com/office/drawing/2014/main" id="{32813430-5384-A813-237C-67FFB92D0836}"/>
+              </a:ext>
+            </a:extLst>
+          </p:cNvPr>
+          <p:cNvSpPr>
+            <a:spLocks noGrp="1"/>
+          </p:cNvSpPr>
+          <p:nvPr>
+            <p:ph idx="1"/>
+          </p:nvPr>
+        </p:nvSpPr>
+        <p:spPr/>
+        <p:txBody>
+          <a:bodyPr/>
+          <a:lstStyle/>
+          <a:p>
+            <a:pPr marL="0" indent="0">
+              <a:buNone/>
+            </a:pPr>
+            <a:r>
+              <a:rPr lang="en-ID" b="1" dirty="0" err="1"/>
+              <a:t>Dampak</a:t>
+            </a:r>
+            <a:r>
+              <a:rPr lang="en-ID" b="1" dirty="0"/>
+              <a:t> </a:t>
+            </a:r>
+            <a:r>
+              <a:rPr lang="en-ID" b="1" dirty="0" err="1"/>
+              <a:t>Budaya</a:t>
+            </a:r>
+            <a:endParaRPr lang="en-ID" b="1" dirty="0"/>
+          </a:p>
+          <a:p>
+            <a:pPr>
+              <a:buFont typeface="Arial" panose="020B0604020202020204" pitchFamily="34" charset="0"/>
+              <a:buChar char="•"/>
+            </a:pPr>
+            <a:r>
+              <a:rPr lang="en-ID" b="1" dirty="0" err="1"/>
+              <a:t>Identitas</a:t>
+            </a:r>
+            <a:r>
+              <a:rPr lang="en-ID" b="1" dirty="0"/>
+              <a:t> Digital:</a:t>
+            </a:r>
+            <a:r>
+              <a:rPr lang="en-ID" dirty="0"/>
+              <a:t> </a:t>
+            </a:r>
+            <a:r>
+              <a:rPr lang="en-ID" dirty="0" err="1"/>
+              <a:t>Munculnya</a:t>
+            </a:r>
+            <a:r>
+              <a:rPr lang="en-ID" dirty="0"/>
+              <a:t> </a:t>
+            </a:r>
+            <a:r>
+              <a:rPr lang="en-ID" dirty="0" err="1"/>
+              <a:t>identitas</a:t>
+            </a:r>
+            <a:r>
+              <a:rPr lang="en-ID" dirty="0"/>
+              <a:t> digital yang </a:t>
+            </a:r>
+            <a:r>
+              <a:rPr lang="en-ID" dirty="0" err="1"/>
+              <a:t>kompleks</a:t>
+            </a:r>
+            <a:r>
+              <a:rPr lang="en-ID" dirty="0"/>
+              <a:t> dan </a:t>
+            </a:r>
+            <a:r>
+              <a:rPr lang="en-ID" dirty="0" err="1"/>
+              <a:t>seringkali</a:t>
+            </a:r>
+            <a:r>
+              <a:rPr lang="en-ID" dirty="0"/>
+              <a:t> </a:t>
+            </a:r>
+            <a:r>
+              <a:rPr lang="en-ID" dirty="0" err="1"/>
+              <a:t>berbeda</a:t>
+            </a:r>
+            <a:r>
+              <a:rPr lang="en-ID" dirty="0"/>
+              <a:t> </a:t>
+            </a:r>
+            <a:r>
+              <a:rPr lang="en-ID" dirty="0" err="1"/>
+              <a:t>dari</a:t>
+            </a:r>
+            <a:r>
+              <a:rPr lang="en-ID" dirty="0"/>
+              <a:t> </a:t>
+            </a:r>
+            <a:r>
+              <a:rPr lang="en-ID" dirty="0" err="1"/>
+              <a:t>identitas</a:t>
+            </a:r>
+            <a:r>
+              <a:rPr lang="en-ID" dirty="0"/>
+              <a:t> </a:t>
+            </a:r>
+            <a:r>
+              <a:rPr lang="en-ID" dirty="0" err="1"/>
+              <a:t>nyata</a:t>
+            </a:r>
+            <a:r>
+              <a:rPr lang="en-ID" dirty="0"/>
+              <a:t>.</a:t>
+            </a:r>
+          </a:p>
+          <a:p>
+            <a:pPr>
+              <a:buFont typeface="Arial" panose="020B0604020202020204" pitchFamily="34" charset="0"/>
+              <a:buChar char="•"/>
+            </a:pPr>
+            <a:r>
+              <a:rPr lang="en-ID" b="1" dirty="0" err="1"/>
+              <a:t>Konsumerisme</a:t>
+            </a:r>
+            <a:r>
+              <a:rPr lang="en-ID" b="1" dirty="0"/>
+              <a:t>:</a:t>
+            </a:r>
+            <a:r>
+              <a:rPr lang="en-ID" dirty="0"/>
+              <a:t> </a:t>
+            </a:r>
+            <a:r>
+              <a:rPr lang="en-ID" dirty="0" err="1"/>
+              <a:t>Teknologi</a:t>
+            </a:r>
+            <a:r>
+              <a:rPr lang="en-ID" dirty="0"/>
+              <a:t> </a:t>
+            </a:r>
+            <a:r>
+              <a:rPr lang="en-ID" dirty="0" err="1"/>
+              <a:t>mendorong</a:t>
+            </a:r>
+            <a:r>
+              <a:rPr lang="en-ID" dirty="0"/>
+              <a:t> </a:t>
+            </a:r>
+            <a:r>
+              <a:rPr lang="en-ID" dirty="0" err="1"/>
+              <a:t>konsumerisme</a:t>
+            </a:r>
+            <a:r>
+              <a:rPr lang="en-ID" dirty="0"/>
+              <a:t> dan </a:t>
+            </a:r>
+            <a:r>
+              <a:rPr lang="en-ID" dirty="0" err="1"/>
+              <a:t>materialisme</a:t>
+            </a:r>
+            <a:r>
+              <a:rPr lang="en-ID" dirty="0"/>
+              <a:t>.</a:t>
+            </a:r>
+          </a:p>
+          <a:p>
+            <a:pPr>
+              <a:buFont typeface="Arial" panose="020B0604020202020204" pitchFamily="34" charset="0"/>
+              <a:buChar char="•"/>
+            </a:pPr>
+            <a:r>
+              <a:rPr lang="en-ID" b="1" dirty="0"/>
+              <a:t>Pendidikan:</a:t>
+            </a:r>
+            <a:r>
+              <a:rPr lang="en-ID" dirty="0"/>
+              <a:t> </a:t>
+            </a:r>
+            <a:r>
+              <a:rPr lang="en-ID" dirty="0" err="1"/>
+              <a:t>Teknologi</a:t>
+            </a:r>
+            <a:r>
+              <a:rPr lang="en-ID" dirty="0"/>
+              <a:t> </a:t>
+            </a:r>
+            <a:r>
+              <a:rPr lang="en-ID" dirty="0" err="1"/>
+              <a:t>mengubah</a:t>
+            </a:r>
+            <a:r>
+              <a:rPr lang="en-ID" dirty="0"/>
+              <a:t> </a:t>
+            </a:r>
+            <a:r>
+              <a:rPr lang="en-ID" dirty="0" err="1"/>
+              <a:t>cara</a:t>
+            </a:r>
+            <a:r>
+              <a:rPr lang="en-ID" dirty="0"/>
+              <a:t> </a:t>
+            </a:r>
+            <a:r>
+              <a:rPr lang="en-ID" dirty="0" err="1"/>
+              <a:t>kita</a:t>
+            </a:r>
+            <a:r>
+              <a:rPr lang="en-ID" dirty="0"/>
+              <a:t> </a:t>
+            </a:r>
+            <a:r>
+              <a:rPr lang="en-ID" dirty="0" err="1"/>
+              <a:t>belajar</a:t>
+            </a:r>
+            <a:r>
+              <a:rPr lang="en-ID" dirty="0"/>
+              <a:t> dan </a:t>
+            </a:r>
+            <a:r>
+              <a:rPr lang="en-ID" dirty="0" err="1"/>
+              <a:t>mengajar</a:t>
+            </a:r>
+            <a:r>
+              <a:rPr lang="en-ID" dirty="0"/>
+              <a:t>, </a:t>
+            </a:r>
+            <a:r>
+              <a:rPr lang="en-ID" dirty="0" err="1"/>
+              <a:t>namun</a:t>
+            </a:r>
+            <a:r>
+              <a:rPr lang="en-ID" dirty="0"/>
+              <a:t> juga </a:t>
+            </a:r>
+            <a:r>
+              <a:rPr lang="en-ID" dirty="0" err="1"/>
+              <a:t>menimbulkan</a:t>
+            </a:r>
+            <a:r>
+              <a:rPr lang="en-ID" dirty="0"/>
+              <a:t> </a:t>
+            </a:r>
+            <a:r>
+              <a:rPr lang="en-ID" dirty="0" err="1"/>
+              <a:t>tantangan</a:t>
+            </a:r>
+            <a:r>
+              <a:rPr lang="en-ID" dirty="0"/>
+              <a:t> </a:t>
+            </a:r>
+            <a:r>
+              <a:rPr lang="en-ID" dirty="0" err="1"/>
+              <a:t>baru</a:t>
+            </a:r>
+            <a:r>
+              <a:rPr lang="en-ID" dirty="0"/>
+              <a:t> </a:t>
+            </a:r>
+            <a:r>
+              <a:rPr lang="en-ID" dirty="0" err="1"/>
+              <a:t>seperti</a:t>
+            </a:r>
+            <a:r>
+              <a:rPr lang="en-ID" dirty="0"/>
+              <a:t> </a:t>
+            </a:r>
+            <a:r>
+              <a:rPr lang="en-ID" dirty="0" err="1"/>
+              <a:t>plagiarisme</a:t>
+            </a:r>
+            <a:r>
+              <a:rPr lang="en-ID" dirty="0"/>
+              <a:t> digital.</a:t>
+            </a:r>
+          </a:p>
+          <a:p>
+            <a:pPr marL="0" indent="0">
+              <a:buNone/>
+            </a:pPr>
+            <a:endParaRPr lang="en-US" dirty="0"/>
+          </a:p>
+        </p:txBody>
+      </p:sp>
+    </p:spTree>
+    <p:extLst>
+      <p:ext uri="{BB962C8B-B14F-4D97-AF65-F5344CB8AC3E}">
+        <p14:creationId xmlns:p14="http://schemas.microsoft.com/office/powerpoint/2010/main" val="1864189297"/>
+      </p:ext>
+    </p:extLst>
+  </p:cSld>
+  <p:clrMapOvr>
+    <a:masterClrMapping/>
+  </p:clrMapOvr>
+</p:sld>
+</file>
+
+<file path=ppt/slides/slide9.xml><?xml version="1.0" encoding="utf-8"?>
+<p:sld xmlns:a="http://schemas.openxmlformats.org/drawingml/2006/main" xmlns:r="http://schemas.openxmlformats.org/officeDocument/2006/relationships" xmlns:p="http://schemas.openxmlformats.org/presentationml/2006/main">
+  <p:cSld>
+    <p:spTree>
+      <p:nvGrpSpPr>
+        <p:cNvPr id="1" name=""/>
+        <p:cNvGrpSpPr/>
+        <p:nvPr/>
+      </p:nvGrpSpPr>
+      <p:grpSpPr>
+        <a:xfrm>
+          <a:off x="0" y="0"/>
+          <a:ext cx="0" cy="0"/>
+          <a:chOff x="0" y="0"/>
+          <a:chExt cx="0" cy="0"/>
+        </a:xfrm>
+      </p:grpSpPr>
+      <p:sp>
+        <p:nvSpPr>
+          <p:cNvPr id="2" name="Title 1">
+            <a:extLst>
+              <a:ext uri="{FF2B5EF4-FFF2-40B4-BE49-F238E27FC236}">
+                <a16:creationId xmlns:a16="http://schemas.microsoft.com/office/drawing/2014/main" id="{C19CA9AA-D15A-2F0F-929B-9EC620841DEC}"/>
+              </a:ext>
+            </a:extLst>
+          </p:cNvPr>
+          <p:cNvSpPr>
+            <a:spLocks noGrp="1"/>
+          </p:cNvSpPr>
+          <p:nvPr>
+            <p:ph type="title"/>
+          </p:nvPr>
+        </p:nvSpPr>
+        <p:spPr/>
+        <p:txBody>
+          <a:bodyPr/>
+          <a:lstStyle/>
+          <a:p>
+            <a:endParaRPr lang="en-US" dirty="0"/>
+          </a:p>
+        </p:txBody>
+      </p:sp>
+      <p:sp>
+        <p:nvSpPr>
+          <p:cNvPr id="3" name="Content Placeholder 2">
+            <a:extLst>
+              <a:ext uri="{FF2B5EF4-FFF2-40B4-BE49-F238E27FC236}">
+                <a16:creationId xmlns:a16="http://schemas.microsoft.com/office/drawing/2014/main" id="{AD6B0A11-6721-5BD1-4CE1-9F3344BD34FF}"/>
+              </a:ext>
+            </a:extLst>
+          </p:cNvPr>
+          <p:cNvSpPr>
+            <a:spLocks noGrp="1"/>
+          </p:cNvSpPr>
+          <p:nvPr>
+            <p:ph idx="1"/>
+          </p:nvPr>
+        </p:nvSpPr>
+        <p:spPr/>
+        <p:txBody>
+          <a:bodyPr/>
+          <a:lstStyle/>
+          <a:p>
+            <a:pPr marL="0" indent="0">
+              <a:buNone/>
+            </a:pPr>
+            <a:r>
+              <a:rPr lang="en-ID" b="1" dirty="0" err="1"/>
+              <a:t>Dampak</a:t>
+            </a:r>
+            <a:r>
+              <a:rPr lang="en-ID" b="1" dirty="0"/>
+              <a:t> Ekonomi</a:t>
+            </a:r>
+          </a:p>
+          <a:p>
+            <a:pPr>
+              <a:buFont typeface="Arial" panose="020B0604020202020204" pitchFamily="34" charset="0"/>
+              <a:buChar char="•"/>
+            </a:pPr>
+            <a:r>
+              <a:rPr lang="en-ID" b="1" dirty="0"/>
+              <a:t>E-commerce:</a:t>
+            </a:r>
+            <a:r>
+              <a:rPr lang="en-ID" dirty="0"/>
+              <a:t> </a:t>
+            </a:r>
+            <a:r>
+              <a:rPr lang="en-ID" dirty="0" err="1"/>
+              <a:t>Pertumbuhan</a:t>
+            </a:r>
+            <a:r>
+              <a:rPr lang="en-ID" dirty="0"/>
+              <a:t> e-commerce </a:t>
+            </a:r>
+            <a:r>
+              <a:rPr lang="en-ID" dirty="0" err="1"/>
+              <a:t>mengubah</a:t>
+            </a:r>
+            <a:r>
+              <a:rPr lang="en-ID" dirty="0"/>
+              <a:t> </a:t>
+            </a:r>
+            <a:r>
+              <a:rPr lang="en-ID" dirty="0" err="1"/>
+              <a:t>lanskap</a:t>
+            </a:r>
+            <a:r>
+              <a:rPr lang="en-ID" dirty="0"/>
+              <a:t> </a:t>
+            </a:r>
+            <a:r>
+              <a:rPr lang="en-ID" dirty="0" err="1"/>
+              <a:t>bisnis</a:t>
+            </a:r>
+            <a:r>
+              <a:rPr lang="en-ID" dirty="0"/>
+              <a:t> </a:t>
+            </a:r>
+            <a:r>
+              <a:rPr lang="en-ID" dirty="0" err="1"/>
+              <a:t>tradisional</a:t>
+            </a:r>
+            <a:r>
+              <a:rPr lang="en-ID" dirty="0"/>
+              <a:t> dan </a:t>
+            </a:r>
+            <a:r>
+              <a:rPr lang="en-ID" dirty="0" err="1"/>
+              <a:t>menciptakan</a:t>
+            </a:r>
+            <a:r>
+              <a:rPr lang="en-ID" dirty="0"/>
+              <a:t> </a:t>
+            </a:r>
+            <a:r>
+              <a:rPr lang="en-ID" dirty="0" err="1"/>
+              <a:t>peluang</a:t>
+            </a:r>
+            <a:r>
+              <a:rPr lang="en-ID" dirty="0"/>
+              <a:t> </a:t>
+            </a:r>
+            <a:r>
+              <a:rPr lang="en-ID" dirty="0" err="1"/>
+              <a:t>bisnis</a:t>
+            </a:r>
+            <a:r>
+              <a:rPr lang="en-ID" dirty="0"/>
+              <a:t> </a:t>
+            </a:r>
+            <a:r>
+              <a:rPr lang="en-ID" dirty="0" err="1"/>
+              <a:t>baru</a:t>
+            </a:r>
+            <a:r>
+              <a:rPr lang="en-ID" dirty="0"/>
+              <a:t>.</a:t>
+            </a:r>
+          </a:p>
+          <a:p>
+            <a:pPr>
+              <a:buFont typeface="Arial" panose="020B0604020202020204" pitchFamily="34" charset="0"/>
+              <a:buChar char="•"/>
+            </a:pPr>
+            <a:r>
+              <a:rPr lang="en-ID" b="1" dirty="0" err="1"/>
+              <a:t>Kecerdasan</a:t>
+            </a:r>
+            <a:r>
+              <a:rPr lang="en-ID" b="1" dirty="0"/>
+              <a:t> </a:t>
+            </a:r>
+            <a:r>
+              <a:rPr lang="en-ID" b="1" dirty="0" err="1"/>
+              <a:t>Buatan</a:t>
+            </a:r>
+            <a:r>
+              <a:rPr lang="en-ID" b="1" dirty="0"/>
+              <a:t>:</a:t>
+            </a:r>
+            <a:r>
+              <a:rPr lang="en-ID" dirty="0"/>
+              <a:t> </a:t>
+            </a:r>
+            <a:r>
+              <a:rPr lang="en-ID" dirty="0" err="1"/>
+              <a:t>Kecerdasan</a:t>
+            </a:r>
+            <a:r>
+              <a:rPr lang="en-ID" dirty="0"/>
+              <a:t> </a:t>
+            </a:r>
+            <a:r>
+              <a:rPr lang="en-ID" dirty="0" err="1"/>
+              <a:t>buatan</a:t>
+            </a:r>
+            <a:r>
+              <a:rPr lang="en-ID" dirty="0"/>
+              <a:t> (AI) </a:t>
+            </a:r>
+            <a:r>
+              <a:rPr lang="en-ID" dirty="0" err="1"/>
+              <a:t>akan</a:t>
+            </a:r>
+            <a:r>
+              <a:rPr lang="en-ID" dirty="0"/>
+              <a:t> </a:t>
+            </a:r>
+            <a:r>
+              <a:rPr lang="en-ID" dirty="0" err="1"/>
+              <a:t>semakin</a:t>
+            </a:r>
+            <a:r>
+              <a:rPr lang="en-ID" dirty="0"/>
+              <a:t> </a:t>
+            </a:r>
+            <a:r>
+              <a:rPr lang="en-ID" dirty="0" err="1"/>
+              <a:t>mengotomatisasi</a:t>
+            </a:r>
+            <a:r>
+              <a:rPr lang="en-ID" dirty="0"/>
+              <a:t> </a:t>
+            </a:r>
+            <a:r>
+              <a:rPr lang="en-ID" dirty="0" err="1"/>
+              <a:t>banyak</a:t>
+            </a:r>
+            <a:r>
+              <a:rPr lang="en-ID" dirty="0"/>
+              <a:t> </a:t>
+            </a:r>
+            <a:r>
+              <a:rPr lang="en-ID" dirty="0" err="1"/>
+              <a:t>pekerjaan</a:t>
+            </a:r>
+            <a:r>
+              <a:rPr lang="en-ID" dirty="0"/>
+              <a:t>, </a:t>
+            </a:r>
+            <a:r>
+              <a:rPr lang="en-ID" dirty="0" err="1"/>
+              <a:t>mengubah</a:t>
+            </a:r>
+            <a:r>
+              <a:rPr lang="en-ID" dirty="0"/>
+              <a:t> pasar </a:t>
+            </a:r>
+            <a:r>
+              <a:rPr lang="en-ID" dirty="0" err="1"/>
+              <a:t>tenaga</a:t>
+            </a:r>
+            <a:r>
+              <a:rPr lang="en-ID" dirty="0"/>
+              <a:t> </a:t>
+            </a:r>
+            <a:r>
+              <a:rPr lang="en-ID" dirty="0" err="1"/>
+              <a:t>kerja</a:t>
+            </a:r>
+            <a:r>
+              <a:rPr lang="en-ID" dirty="0"/>
+              <a:t>.</a:t>
+            </a:r>
+          </a:p>
+          <a:p>
+            <a:pPr>
+              <a:buFont typeface="Arial" panose="020B0604020202020204" pitchFamily="34" charset="0"/>
+              <a:buChar char="•"/>
+            </a:pPr>
+            <a:r>
+              <a:rPr lang="en-ID" b="1" dirty="0" err="1"/>
+              <a:t>Ketergantungan</a:t>
+            </a:r>
+            <a:r>
+              <a:rPr lang="en-ID" b="1" dirty="0"/>
+              <a:t> </a:t>
+            </a:r>
+            <a:r>
+              <a:rPr lang="en-ID" b="1" dirty="0" err="1"/>
+              <a:t>Teknologi</a:t>
+            </a:r>
+            <a:r>
+              <a:rPr lang="en-ID" b="1" dirty="0"/>
+              <a:t>:</a:t>
+            </a:r>
+            <a:r>
+              <a:rPr lang="en-ID" dirty="0"/>
+              <a:t> </a:t>
+            </a:r>
+            <a:r>
+              <a:rPr lang="en-ID" dirty="0" err="1"/>
+              <a:t>Ketergantungan</a:t>
+            </a:r>
+            <a:r>
+              <a:rPr lang="en-ID" dirty="0"/>
+              <a:t> yang </a:t>
+            </a:r>
+            <a:r>
+              <a:rPr lang="en-ID" dirty="0" err="1"/>
+              <a:t>semakin</a:t>
+            </a:r>
+            <a:r>
+              <a:rPr lang="en-ID" dirty="0"/>
+              <a:t> </a:t>
+            </a:r>
+            <a:r>
+              <a:rPr lang="en-ID" dirty="0" err="1"/>
+              <a:t>besar</a:t>
+            </a:r>
+            <a:r>
+              <a:rPr lang="en-ID" dirty="0"/>
+              <a:t> pada </a:t>
+            </a:r>
+            <a:r>
+              <a:rPr lang="en-ID" dirty="0" err="1"/>
+              <a:t>teknologi</a:t>
+            </a:r>
+            <a:r>
+              <a:rPr lang="en-ID" dirty="0"/>
+              <a:t> </a:t>
+            </a:r>
+            <a:r>
+              <a:rPr lang="en-ID" dirty="0" err="1"/>
+              <a:t>dapat</a:t>
+            </a:r>
+            <a:r>
+              <a:rPr lang="en-ID" dirty="0"/>
+              <a:t> </a:t>
+            </a:r>
+            <a:r>
+              <a:rPr lang="en-ID" dirty="0" err="1"/>
+              <a:t>menimbulkan</a:t>
+            </a:r>
+            <a:r>
+              <a:rPr lang="en-ID" dirty="0"/>
+              <a:t> </a:t>
+            </a:r>
+            <a:r>
+              <a:rPr lang="en-ID" dirty="0" err="1"/>
+              <a:t>risiko</a:t>
+            </a:r>
+            <a:r>
+              <a:rPr lang="en-ID" dirty="0"/>
+              <a:t> </a:t>
+            </a:r>
+            <a:r>
+              <a:rPr lang="en-ID" dirty="0" err="1"/>
+              <a:t>jika</a:t>
+            </a:r>
+            <a:r>
+              <a:rPr lang="en-ID" dirty="0"/>
+              <a:t> </a:t>
+            </a:r>
+            <a:r>
+              <a:rPr lang="en-ID" dirty="0" err="1"/>
+              <a:t>terjadi</a:t>
+            </a:r>
+            <a:r>
+              <a:rPr lang="en-ID" dirty="0"/>
+              <a:t> </a:t>
+            </a:r>
+            <a:r>
+              <a:rPr lang="en-ID" dirty="0" err="1"/>
+              <a:t>gangguan</a:t>
+            </a:r>
+            <a:r>
+              <a:rPr lang="en-ID" dirty="0"/>
+              <a:t> </a:t>
+            </a:r>
+            <a:r>
+              <a:rPr lang="en-ID" dirty="0" err="1"/>
+              <a:t>sistem</a:t>
+            </a:r>
+            <a:r>
+              <a:rPr lang="en-ID" dirty="0"/>
+              <a:t>.</a:t>
+            </a:r>
+          </a:p>
+          <a:p>
+            <a:endParaRPr lang="en-US" dirty="0"/>
+          </a:p>
+        </p:txBody>
+      </p:sp>
+    </p:spTree>
+    <p:extLst>
+      <p:ext uri="{BB962C8B-B14F-4D97-AF65-F5344CB8AC3E}">
+        <p14:creationId xmlns:p14="http://schemas.microsoft.com/office/powerpoint/2010/main" val="2413909258"/>
       </p:ext>
     </p:extLst>
   </p:cSld>
